--- a/HENRI FAYOL.pptx
+++ b/HENRI FAYOL.pptx
@@ -6,11 +6,11 @@
   </p:sldMasterIdLst>
   <p:sldIdLst>
     <p:sldId id="256" r:id="rId2"/>
-    <p:sldId id="258" r:id="rId3"/>
-    <p:sldId id="257" r:id="rId4"/>
+    <p:sldId id="257" r:id="rId3"/>
+    <p:sldId id="258" r:id="rId4"/>
     <p:sldId id="259" r:id="rId5"/>
-    <p:sldId id="261" r:id="rId6"/>
-    <p:sldId id="260" r:id="rId7"/>
+    <p:sldId id="260" r:id="rId6"/>
+    <p:sldId id="261" r:id="rId7"/>
     <p:sldId id="262" r:id="rId8"/>
     <p:sldId id="263" r:id="rId9"/>
     <p:sldId id="264" r:id="rId10"/>
@@ -586,7 +586,7 @@
           <a:p>
             <a:fld id="{C4A32909-5FE6-44F4-86FC-D7BB5B0B7F2F}" type="datetimeFigureOut">
               <a:rPr lang="en-IN" smtClean="0"/>
-              <a:t>03-07-2025</a:t>
+              <a:t>04-07-2025</a:t>
             </a:fld>
             <a:endParaRPr lang="en-IN"/>
           </a:p>
@@ -751,7 +751,7 @@
           <a:p>
             <a:fld id="{C4A32909-5FE6-44F4-86FC-D7BB5B0B7F2F}" type="datetimeFigureOut">
               <a:rPr lang="en-IN" smtClean="0"/>
-              <a:t>03-07-2025</a:t>
+              <a:t>04-07-2025</a:t>
             </a:fld>
             <a:endParaRPr lang="en-IN"/>
           </a:p>
@@ -926,7 +926,7 @@
           <a:p>
             <a:fld id="{C4A32909-5FE6-44F4-86FC-D7BB5B0B7F2F}" type="datetimeFigureOut">
               <a:rPr lang="en-IN" smtClean="0"/>
-              <a:t>03-07-2025</a:t>
+              <a:t>04-07-2025</a:t>
             </a:fld>
             <a:endParaRPr lang="en-IN"/>
           </a:p>
@@ -1091,7 +1091,7 @@
           <a:p>
             <a:fld id="{C4A32909-5FE6-44F4-86FC-D7BB5B0B7F2F}" type="datetimeFigureOut">
               <a:rPr lang="en-IN" smtClean="0"/>
-              <a:t>03-07-2025</a:t>
+              <a:t>04-07-2025</a:t>
             </a:fld>
             <a:endParaRPr lang="en-IN"/>
           </a:p>
@@ -1644,7 +1644,7 @@
           <a:p>
             <a:fld id="{C4A32909-5FE6-44F4-86FC-D7BB5B0B7F2F}" type="datetimeFigureOut">
               <a:rPr lang="en-IN" smtClean="0"/>
-              <a:t>03-07-2025</a:t>
+              <a:t>04-07-2025</a:t>
             </a:fld>
             <a:endParaRPr lang="en-IN"/>
           </a:p>
@@ -1904,7 +1904,7 @@
           <a:p>
             <a:fld id="{C4A32909-5FE6-44F4-86FC-D7BB5B0B7F2F}" type="datetimeFigureOut">
               <a:rPr lang="en-IN" smtClean="0"/>
-              <a:t>03-07-2025</a:t>
+              <a:t>04-07-2025</a:t>
             </a:fld>
             <a:endParaRPr lang="en-IN"/>
           </a:p>
@@ -2392,7 +2392,7 @@
           <a:p>
             <a:fld id="{C4A32909-5FE6-44F4-86FC-D7BB5B0B7F2F}" type="datetimeFigureOut">
               <a:rPr lang="en-IN" smtClean="0"/>
-              <a:t>03-07-2025</a:t>
+              <a:t>04-07-2025</a:t>
             </a:fld>
             <a:endParaRPr lang="en-IN"/>
           </a:p>
@@ -2505,7 +2505,7 @@
           <a:p>
             <a:fld id="{C4A32909-5FE6-44F4-86FC-D7BB5B0B7F2F}" type="datetimeFigureOut">
               <a:rPr lang="en-IN" smtClean="0"/>
-              <a:t>03-07-2025</a:t>
+              <a:t>04-07-2025</a:t>
             </a:fld>
             <a:endParaRPr lang="en-IN"/>
           </a:p>
@@ -2595,7 +2595,7 @@
           <a:p>
             <a:fld id="{C4A32909-5FE6-44F4-86FC-D7BB5B0B7F2F}" type="datetimeFigureOut">
               <a:rPr lang="en-IN" smtClean="0"/>
-              <a:t>03-07-2025</a:t>
+              <a:t>04-07-2025</a:t>
             </a:fld>
             <a:endParaRPr lang="en-IN"/>
           </a:p>
@@ -3025,7 +3025,7 @@
           <a:p>
             <a:fld id="{C4A32909-5FE6-44F4-86FC-D7BB5B0B7F2F}" type="datetimeFigureOut">
               <a:rPr lang="en-IN" smtClean="0"/>
-              <a:t>03-07-2025</a:t>
+              <a:t>04-07-2025</a:t>
             </a:fld>
             <a:endParaRPr lang="en-IN"/>
           </a:p>
@@ -3558,7 +3558,7 @@
           <a:p>
             <a:fld id="{C4A32909-5FE6-44F4-86FC-D7BB5B0B7F2F}" type="datetimeFigureOut">
               <a:rPr lang="en-IN" smtClean="0"/>
-              <a:t>03-07-2025</a:t>
+              <a:t>04-07-2025</a:t>
             </a:fld>
             <a:endParaRPr lang="en-IN"/>
           </a:p>
@@ -4398,7 +4398,7 @@
           <a:p>
             <a:fld id="{C4A32909-5FE6-44F4-86FC-D7BB5B0B7F2F}" type="datetimeFigureOut">
               <a:rPr lang="en-IN" smtClean="0"/>
-              <a:t>03-07-2025</a:t>
+              <a:t>04-07-2025</a:t>
             </a:fld>
             <a:endParaRPr lang="en-IN"/>
           </a:p>
@@ -4941,6 +4941,18 @@
   <p:clrMapOvr>
     <a:masterClrMapping/>
   </p:clrMapOvr>
+  <mc:AlternateContent xmlns:mc="http://schemas.openxmlformats.org/markup-compatibility/2006">
+    <mc:Choice xmlns:p14="http://schemas.microsoft.com/office/powerpoint/2010/main" Requires="p14">
+      <p:transition spd="slow" p14:dur="1500">
+        <p:split orient="vert"/>
+      </p:transition>
+    </mc:Choice>
+    <mc:Fallback>
+      <p:transition spd="slow">
+        <p:split orient="vert"/>
+      </p:transition>
+    </mc:Fallback>
+  </mc:AlternateContent>
   <p:timing>
     <p:tnLst>
       <p:par>
@@ -5241,25 +5253,6 @@
                 </a:solidFill>
               </a14:hiddenFill>
             </a:ext>
-            <a:ext uri="{91240B29-F687-4F45-9708-019B960494DF}">
-              <a14:hiddenLine xmlns:a14="http://schemas.microsoft.com/office/drawing/2010/main" w="9525">
-                <a:solidFill>
-                  <a:schemeClr val="tx1"/>
-                </a:solidFill>
-                <a:miter lim="800000"/>
-                <a:headEnd/>
-                <a:tailEnd/>
-              </a14:hiddenLine>
-            </a:ext>
-            <a:ext uri="{AF507438-7753-43E0-B8FC-AC1667EBCBE1}">
-              <a14:hiddenEffects xmlns:a14="http://schemas.microsoft.com/office/drawing/2010/main">
-                <a:effectLst>
-                  <a:outerShdw dist="35921" dir="2700000" algn="ctr" rotWithShape="0">
-                    <a:schemeClr val="bg2"/>
-                  </a:outerShdw>
-                </a:effectLst>
-              </a14:hiddenEffects>
-            </a:ext>
           </a:extLst>
         </p:spPr>
       </p:pic>
@@ -5358,25 +5351,6 @@
                 </a:solidFill>
               </a14:hiddenFill>
             </a:ext>
-            <a:ext uri="{91240B29-F687-4F45-9708-019B960494DF}">
-              <a14:hiddenLine xmlns:a14="http://schemas.microsoft.com/office/drawing/2010/main" w="9525">
-                <a:solidFill>
-                  <a:schemeClr val="tx1"/>
-                </a:solidFill>
-                <a:miter lim="800000"/>
-                <a:headEnd/>
-                <a:tailEnd/>
-              </a14:hiddenLine>
-            </a:ext>
-            <a:ext uri="{AF507438-7753-43E0-B8FC-AC1667EBCBE1}">
-              <a14:hiddenEffects xmlns:a14="http://schemas.microsoft.com/office/drawing/2010/main">
-                <a:effectLst>
-                  <a:outerShdw dist="35921" dir="2700000" algn="ctr" rotWithShape="0">
-                    <a:schemeClr val="bg2"/>
-                  </a:outerShdw>
-                </a:effectLst>
-              </a14:hiddenEffects>
-            </a:ext>
           </a:extLst>
         </p:spPr>
       </p:pic>
@@ -5390,6 +5364,18 @@
   <p:clrMapOvr>
     <a:masterClrMapping/>
   </p:clrMapOvr>
+  <mc:AlternateContent xmlns:mc="http://schemas.openxmlformats.org/markup-compatibility/2006">
+    <mc:Choice xmlns:p14="http://schemas.microsoft.com/office/powerpoint/2010/main" Requires="p14">
+      <p:transition spd="med" p14:dur="700">
+        <p:fade/>
+      </p:transition>
+    </mc:Choice>
+    <mc:Fallback>
+      <p:transition spd="med">
+        <p:fade/>
+      </p:transition>
+    </mc:Fallback>
+  </mc:AlternateContent>
   <p:timing>
     <p:tnLst>
       <p:par>
@@ -5981,25 +5967,6 @@
                 </a:solidFill>
               </a14:hiddenFill>
             </a:ext>
-            <a:ext uri="{91240B29-F687-4F45-9708-019B960494DF}">
-              <a14:hiddenLine xmlns:a14="http://schemas.microsoft.com/office/drawing/2010/main" w="9525">
-                <a:solidFill>
-                  <a:schemeClr val="tx1"/>
-                </a:solidFill>
-                <a:miter lim="800000"/>
-                <a:headEnd/>
-                <a:tailEnd/>
-              </a14:hiddenLine>
-            </a:ext>
-            <a:ext uri="{AF507438-7753-43E0-B8FC-AC1667EBCBE1}">
-              <a14:hiddenEffects xmlns:a14="http://schemas.microsoft.com/office/drawing/2010/main">
-                <a:effectLst>
-                  <a:outerShdw dist="35921" dir="2700000" algn="ctr" rotWithShape="0">
-                    <a:schemeClr val="bg2"/>
-                  </a:outerShdw>
-                </a:effectLst>
-              </a14:hiddenEffects>
-            </a:ext>
           </a:extLst>
         </p:spPr>
       </p:pic>
@@ -6098,25 +6065,6 @@
                 </a:solidFill>
               </a14:hiddenFill>
             </a:ext>
-            <a:ext uri="{91240B29-F687-4F45-9708-019B960494DF}">
-              <a14:hiddenLine xmlns:a14="http://schemas.microsoft.com/office/drawing/2010/main" w="9525">
-                <a:solidFill>
-                  <a:schemeClr val="tx1"/>
-                </a:solidFill>
-                <a:miter lim="800000"/>
-                <a:headEnd/>
-                <a:tailEnd/>
-              </a14:hiddenLine>
-            </a:ext>
-            <a:ext uri="{AF507438-7753-43E0-B8FC-AC1667EBCBE1}">
-              <a14:hiddenEffects xmlns:a14="http://schemas.microsoft.com/office/drawing/2010/main">
-                <a:effectLst>
-                  <a:outerShdw dist="35921" dir="2700000" algn="ctr" rotWithShape="0">
-                    <a:schemeClr val="bg2"/>
-                  </a:outerShdw>
-                </a:effectLst>
-              </a14:hiddenEffects>
-            </a:ext>
           </a:extLst>
         </p:spPr>
       </p:pic>
@@ -6130,6 +6078,18 @@
   <p:clrMapOvr>
     <a:masterClrMapping/>
   </p:clrMapOvr>
+  <mc:AlternateContent xmlns:mc="http://schemas.openxmlformats.org/markup-compatibility/2006">
+    <mc:Choice xmlns:p14="http://schemas.microsoft.com/office/powerpoint/2010/main" Requires="p14">
+      <p:transition spd="slow" p14:dur="1600">
+        <p:blinds dir="vert"/>
+      </p:transition>
+    </mc:Choice>
+    <mc:Fallback>
+      <p:transition spd="slow">
+        <p:blinds dir="vert"/>
+      </p:transition>
+    </mc:Fallback>
+  </mc:AlternateContent>
   <p:timing>
     <p:tnLst>
       <p:par>
@@ -6617,6 +6577,48 @@
           </a:extLst>
         </p:spPr>
       </p:pic>
+      <p:sp>
+        <p:nvSpPr>
+          <p:cNvPr id="4" name="TextBox 3"/>
+          <p:cNvSpPr txBox="1"/>
+          <p:nvPr/>
+        </p:nvSpPr>
+        <p:spPr>
+          <a:xfrm>
+            <a:off x="3923928" y="5301208"/>
+            <a:ext cx="5220072" cy="830997"/>
+          </a:xfrm>
+          <a:prstGeom prst="rect">
+            <a:avLst/>
+          </a:prstGeom>
+          <a:noFill/>
+        </p:spPr>
+        <p:txBody>
+          <a:bodyPr wrap="square" rtlCol="0">
+            <a:spAutoFit/>
+          </a:bodyPr>
+          <a:lstStyle/>
+          <a:p>
+            <a:r>
+              <a:rPr lang="en-US" sz="2400" dirty="0" smtClean="0">
+                <a:latin typeface="Algerian" pitchFamily="82" charset="0"/>
+              </a:rPr>
+              <a:t>CREATED BY :-TANISHA VARSHNEY</a:t>
+            </a:r>
+          </a:p>
+          <a:p>
+            <a:r>
+              <a:rPr lang="en-US" sz="2400" dirty="0" smtClean="0">
+                <a:latin typeface="Algerian" pitchFamily="82" charset="0"/>
+              </a:rPr>
+              <a:t>BATCH ID:-241004514302</a:t>
+            </a:r>
+            <a:endParaRPr lang="en-IN" sz="2400" dirty="0">
+              <a:latin typeface="Algerian" pitchFamily="82" charset="0"/>
+            </a:endParaRPr>
+          </a:p>
+        </p:txBody>
+      </p:sp>
     </p:spTree>
     <p:extLst>
       <p:ext uri="{BB962C8B-B14F-4D97-AF65-F5344CB8AC3E}">
@@ -6627,6 +6629,18 @@
   <p:clrMapOvr>
     <a:masterClrMapping/>
   </p:clrMapOvr>
+  <mc:AlternateContent xmlns:mc="http://schemas.openxmlformats.org/markup-compatibility/2006">
+    <mc:Choice xmlns:p14="http://schemas.microsoft.com/office/powerpoint/2010/main" Requires="p14">
+      <p:transition spd="slow" p14:dur="1400">
+        <p14:doors dir="vert"/>
+      </p:transition>
+    </mc:Choice>
+    <mc:Fallback>
+      <p:transition spd="slow">
+        <p:fade/>
+      </p:transition>
+    </mc:Fallback>
+  </mc:AlternateContent>
   <p:timing>
     <p:tnLst>
       <p:par>
@@ -6922,6 +6936,97 @@
                                       </p:cBhvr>
                                       <p:to x="100000" y="100000"/>
                                     </p:animScale>
+                                  </p:childTnLst>
+                                </p:cTn>
+                              </p:par>
+                            </p:childTnLst>
+                          </p:cTn>
+                        </p:par>
+                      </p:childTnLst>
+                    </p:cTn>
+                  </p:par>
+                  <p:par>
+                    <p:cTn id="21" fill="hold">
+                      <p:stCondLst>
+                        <p:cond delay="indefinite"/>
+                      </p:stCondLst>
+                      <p:childTnLst>
+                        <p:par>
+                          <p:cTn id="22" fill="hold">
+                            <p:stCondLst>
+                              <p:cond delay="0"/>
+                            </p:stCondLst>
+                            <p:childTnLst>
+                              <p:par>
+                                <p:cTn id="23" presetID="2" presetClass="entr" presetSubtype="4" fill="hold" grpId="0" nodeType="clickEffect">
+                                  <p:stCondLst>
+                                    <p:cond delay="0"/>
+                                  </p:stCondLst>
+                                  <p:childTnLst>
+                                    <p:set>
+                                      <p:cBhvr>
+                                        <p:cTn id="24" dur="1" fill="hold">
+                                          <p:stCondLst>
+                                            <p:cond delay="0"/>
+                                          </p:stCondLst>
+                                        </p:cTn>
+                                        <p:tgtEl>
+                                          <p:spTgt spid="4"/>
+                                        </p:tgtEl>
+                                        <p:attrNameLst>
+                                          <p:attrName>style.visibility</p:attrName>
+                                        </p:attrNameLst>
+                                      </p:cBhvr>
+                                      <p:to>
+                                        <p:strVal val="visible"/>
+                                      </p:to>
+                                    </p:set>
+                                    <p:anim calcmode="lin" valueType="num">
+                                      <p:cBhvr additive="base">
+                                        <p:cTn id="25" dur="500" fill="hold"/>
+                                        <p:tgtEl>
+                                          <p:spTgt spid="4"/>
+                                        </p:tgtEl>
+                                        <p:attrNameLst>
+                                          <p:attrName>ppt_x</p:attrName>
+                                        </p:attrNameLst>
+                                      </p:cBhvr>
+                                      <p:tavLst>
+                                        <p:tav tm="0">
+                                          <p:val>
+                                            <p:strVal val="#ppt_x"/>
+                                          </p:val>
+                                        </p:tav>
+                                        <p:tav tm="100000">
+                                          <p:val>
+                                            <p:strVal val="#ppt_x"/>
+                                          </p:val>
+                                        </p:tav>
+                                      </p:tavLst>
+                                    </p:anim>
+                                    <p:anim calcmode="lin" valueType="num">
+                                      <p:cBhvr additive="base">
+                                        <p:cTn id="26" dur="500" fill="hold"/>
+                                        <p:tgtEl>
+                                          <p:spTgt spid="4"/>
+                                        </p:tgtEl>
+                                        <p:attrNameLst>
+                                          <p:attrName>ppt_y</p:attrName>
+                                        </p:attrNameLst>
+                                      </p:cBhvr>
+                                      <p:tavLst>
+                                        <p:tav tm="0">
+                                          <p:val>
+                                            <p:strVal val="1+#ppt_h/2"/>
+                                          </p:val>
+                                        </p:tav>
+                                        <p:tav tm="100000">
+                                          <p:val>
+                                            <p:strVal val="#ppt_y"/>
+                                          </p:val>
+                                        </p:tav>
+                                      </p:tavLst>
+                                    </p:anim>
                                   </p:childTnLst>
                                 </p:cTn>
                               </p:par>
@@ -6952,11 +7057,438 @@
         </p:cTn>
       </p:par>
     </p:tnLst>
+    <p:bldLst>
+      <p:bldP spid="4" grpId="0"/>
+    </p:bldLst>
   </p:timing>
 </p:sld>
 </file>
 
 <file path=ppt/slides/slide2.xml><?xml version="1.0" encoding="utf-8"?>
+<p:sld xmlns:a="http://schemas.openxmlformats.org/drawingml/2006/main" xmlns:r="http://schemas.openxmlformats.org/officeDocument/2006/relationships" xmlns:p="http://schemas.openxmlformats.org/presentationml/2006/main">
+  <p:cSld>
+    <p:spTree>
+      <p:nvGrpSpPr>
+        <p:cNvPr id="1" name=""/>
+        <p:cNvGrpSpPr/>
+        <p:nvPr/>
+      </p:nvGrpSpPr>
+      <p:grpSpPr>
+        <a:xfrm>
+          <a:off x="0" y="0"/>
+          <a:ext cx="0" cy="0"/>
+          <a:chOff x="0" y="0"/>
+          <a:chExt cx="0" cy="0"/>
+        </a:xfrm>
+      </p:grpSpPr>
+      <p:sp>
+        <p:nvSpPr>
+          <p:cNvPr id="2" name="TextBox 1"/>
+          <p:cNvSpPr txBox="1"/>
+          <p:nvPr/>
+        </p:nvSpPr>
+        <p:spPr>
+          <a:xfrm>
+            <a:off x="251520" y="188640"/>
+            <a:ext cx="3456384" cy="707886"/>
+          </a:xfrm>
+          <a:prstGeom prst="rect">
+            <a:avLst/>
+          </a:prstGeom>
+          <a:noFill/>
+        </p:spPr>
+        <p:txBody>
+          <a:bodyPr wrap="square" rtlCol="0">
+            <a:spAutoFit/>
+          </a:bodyPr>
+          <a:lstStyle/>
+          <a:p>
+            <a:r>
+              <a:rPr lang="en-US" sz="4000" dirty="0" smtClean="0">
+                <a:solidFill>
+                  <a:schemeClr val="accent2">
+                    <a:lumMod val="50000"/>
+                  </a:schemeClr>
+                </a:solidFill>
+                <a:latin typeface="Algerian" pitchFamily="82" charset="0"/>
+              </a:rPr>
+              <a:t>HENRI FAYOL</a:t>
+            </a:r>
+            <a:endParaRPr lang="en-IN" sz="4000" dirty="0">
+              <a:solidFill>
+                <a:schemeClr val="accent2">
+                  <a:lumMod val="50000"/>
+                </a:schemeClr>
+              </a:solidFill>
+              <a:latin typeface="Algerian" pitchFamily="82" charset="0"/>
+            </a:endParaRPr>
+          </a:p>
+        </p:txBody>
+      </p:sp>
+      <p:sp>
+        <p:nvSpPr>
+          <p:cNvPr id="3" name="TextBox 2"/>
+          <p:cNvSpPr txBox="1"/>
+          <p:nvPr/>
+        </p:nvSpPr>
+        <p:spPr>
+          <a:xfrm>
+            <a:off x="67785" y="1844824"/>
+            <a:ext cx="5256584" cy="2246769"/>
+          </a:xfrm>
+          <a:prstGeom prst="rect">
+            <a:avLst/>
+          </a:prstGeom>
+          <a:noFill/>
+        </p:spPr>
+        <p:txBody>
+          <a:bodyPr wrap="square" rtlCol="0">
+            <a:spAutoFit/>
+          </a:bodyPr>
+          <a:lstStyle/>
+          <a:p>
+            <a:r>
+              <a:rPr lang="en-US" sz="2800" dirty="0">
+                <a:solidFill>
+                  <a:schemeClr val="accent3">
+                    <a:lumMod val="50000"/>
+                  </a:schemeClr>
+                </a:solidFill>
+                <a:latin typeface="Bell MT" pitchFamily="18" charset="0"/>
+              </a:rPr>
+              <a:t>Henri </a:t>
+            </a:r>
+            <a:r>
+              <a:rPr lang="en-US" sz="2800" dirty="0" err="1">
+                <a:solidFill>
+                  <a:schemeClr val="accent3">
+                    <a:lumMod val="50000"/>
+                  </a:schemeClr>
+                </a:solidFill>
+                <a:latin typeface="Bell MT" pitchFamily="18" charset="0"/>
+              </a:rPr>
+              <a:t>Fayol</a:t>
+            </a:r>
+            <a:r>
+              <a:rPr lang="en-US" sz="2800" dirty="0">
+                <a:solidFill>
+                  <a:schemeClr val="accent3">
+                    <a:lumMod val="50000"/>
+                  </a:schemeClr>
+                </a:solidFill>
+                <a:latin typeface="Bell MT" pitchFamily="18" charset="0"/>
+              </a:rPr>
+              <a:t> was a French mining engineer who became a key figure in developing management theory. He's often called the "Father of Modern Management"</a:t>
+            </a:r>
+            <a:endParaRPr lang="en-IN" sz="2800" dirty="0">
+              <a:solidFill>
+                <a:schemeClr val="accent3">
+                  <a:lumMod val="50000"/>
+                </a:schemeClr>
+              </a:solidFill>
+              <a:latin typeface="Bell MT" pitchFamily="18" charset="0"/>
+            </a:endParaRPr>
+          </a:p>
+        </p:txBody>
+      </p:sp>
+      <p:pic>
+        <p:nvPicPr>
+          <p:cNvPr id="4" name="Picture 3"/>
+          <p:cNvPicPr>
+            <a:picLocks noChangeAspect="1"/>
+          </p:cNvPicPr>
+          <p:nvPr/>
+        </p:nvPicPr>
+        <p:blipFill>
+          <a:blip r:embed="rId2">
+            <a:extLst>
+              <a:ext uri="{28A0092B-C50C-407E-A947-70E740481C1C}">
+                <a14:useLocalDpi xmlns:a14="http://schemas.microsoft.com/office/drawing/2010/main" val="0"/>
+              </a:ext>
+            </a:extLst>
+          </a:blip>
+          <a:stretch>
+            <a:fillRect/>
+          </a:stretch>
+        </p:blipFill>
+        <p:spPr>
+          <a:xfrm>
+            <a:off x="5580112" y="1360591"/>
+            <a:ext cx="2880320" cy="3215234"/>
+          </a:xfrm>
+          <a:prstGeom prst="rect">
+            <a:avLst/>
+          </a:prstGeom>
+          <a:ln w="228600" cap="sq" cmpd="thickThin">
+            <a:solidFill>
+              <a:srgbClr val="000000"/>
+            </a:solidFill>
+            <a:prstDash val="solid"/>
+            <a:miter lim="800000"/>
+          </a:ln>
+          <a:effectLst>
+            <a:innerShdw blurRad="76200">
+              <a:srgbClr val="000000"/>
+            </a:innerShdw>
+          </a:effectLst>
+        </p:spPr>
+      </p:pic>
+    </p:spTree>
+    <p:extLst>
+      <p:ext uri="{BB962C8B-B14F-4D97-AF65-F5344CB8AC3E}">
+        <p14:creationId xmlns:p14="http://schemas.microsoft.com/office/powerpoint/2010/main" val="844516448"/>
+      </p:ext>
+    </p:extLst>
+  </p:cSld>
+  <p:clrMapOvr>
+    <a:masterClrMapping/>
+  </p:clrMapOvr>
+  <p:transition spd="slow">
+    <p:pull/>
+  </p:transition>
+  <p:timing>
+    <p:tnLst>
+      <p:par>
+        <p:cTn id="1" dur="indefinite" restart="never" nodeType="tmRoot">
+          <p:childTnLst>
+            <p:seq concurrent="1" nextAc="seek">
+              <p:cTn id="2" dur="indefinite" nodeType="mainSeq">
+                <p:childTnLst>
+                  <p:par>
+                    <p:cTn id="3" fill="hold">
+                      <p:stCondLst>
+                        <p:cond delay="indefinite"/>
+                      </p:stCondLst>
+                      <p:childTnLst>
+                        <p:par>
+                          <p:cTn id="4" fill="hold">
+                            <p:stCondLst>
+                              <p:cond delay="0"/>
+                            </p:stCondLst>
+                            <p:childTnLst>
+                              <p:par>
+                                <p:cTn id="5" presetID="14" presetClass="entr" presetSubtype="10" fill="hold" grpId="0" nodeType="clickEffect">
+                                  <p:stCondLst>
+                                    <p:cond delay="0"/>
+                                  </p:stCondLst>
+                                  <p:childTnLst>
+                                    <p:set>
+                                      <p:cBhvr>
+                                        <p:cTn id="6" dur="1" fill="hold">
+                                          <p:stCondLst>
+                                            <p:cond delay="0"/>
+                                          </p:stCondLst>
+                                        </p:cTn>
+                                        <p:tgtEl>
+                                          <p:spTgt spid="2"/>
+                                        </p:tgtEl>
+                                        <p:attrNameLst>
+                                          <p:attrName>style.visibility</p:attrName>
+                                        </p:attrNameLst>
+                                      </p:cBhvr>
+                                      <p:to>
+                                        <p:strVal val="visible"/>
+                                      </p:to>
+                                    </p:set>
+                                    <p:animEffect transition="in" filter="randombar(horizontal)">
+                                      <p:cBhvr>
+                                        <p:cTn id="7" dur="500"/>
+                                        <p:tgtEl>
+                                          <p:spTgt spid="2"/>
+                                        </p:tgtEl>
+                                      </p:cBhvr>
+                                    </p:animEffect>
+                                  </p:childTnLst>
+                                </p:cTn>
+                              </p:par>
+                            </p:childTnLst>
+                          </p:cTn>
+                        </p:par>
+                      </p:childTnLst>
+                    </p:cTn>
+                  </p:par>
+                  <p:par>
+                    <p:cTn id="8" fill="hold">
+                      <p:stCondLst>
+                        <p:cond delay="indefinite"/>
+                      </p:stCondLst>
+                      <p:childTnLst>
+                        <p:par>
+                          <p:cTn id="9" fill="hold">
+                            <p:stCondLst>
+                              <p:cond delay="0"/>
+                            </p:stCondLst>
+                            <p:childTnLst>
+                              <p:par>
+                                <p:cTn id="10" presetID="16" presetClass="entr" presetSubtype="21" fill="hold" grpId="0" nodeType="clickEffect">
+                                  <p:stCondLst>
+                                    <p:cond delay="0"/>
+                                  </p:stCondLst>
+                                  <p:childTnLst>
+                                    <p:set>
+                                      <p:cBhvr>
+                                        <p:cTn id="11" dur="1" fill="hold">
+                                          <p:stCondLst>
+                                            <p:cond delay="0"/>
+                                          </p:stCondLst>
+                                        </p:cTn>
+                                        <p:tgtEl>
+                                          <p:spTgt spid="3"/>
+                                        </p:tgtEl>
+                                        <p:attrNameLst>
+                                          <p:attrName>style.visibility</p:attrName>
+                                        </p:attrNameLst>
+                                      </p:cBhvr>
+                                      <p:to>
+                                        <p:strVal val="visible"/>
+                                      </p:to>
+                                    </p:set>
+                                    <p:animEffect transition="in" filter="barn(inVertical)">
+                                      <p:cBhvr>
+                                        <p:cTn id="12" dur="500"/>
+                                        <p:tgtEl>
+                                          <p:spTgt spid="3"/>
+                                        </p:tgtEl>
+                                      </p:cBhvr>
+                                    </p:animEffect>
+                                  </p:childTnLst>
+                                </p:cTn>
+                              </p:par>
+                            </p:childTnLst>
+                          </p:cTn>
+                        </p:par>
+                      </p:childTnLst>
+                    </p:cTn>
+                  </p:par>
+                  <p:par>
+                    <p:cTn id="13" fill="hold">
+                      <p:stCondLst>
+                        <p:cond delay="indefinite"/>
+                      </p:stCondLst>
+                      <p:childTnLst>
+                        <p:par>
+                          <p:cTn id="14" fill="hold">
+                            <p:stCondLst>
+                              <p:cond delay="0"/>
+                            </p:stCondLst>
+                            <p:childTnLst>
+                              <p:par>
+                                <p:cTn id="15" presetID="42" presetClass="entr" presetSubtype="0" fill="hold" nodeType="clickEffect">
+                                  <p:stCondLst>
+                                    <p:cond delay="0"/>
+                                  </p:stCondLst>
+                                  <p:childTnLst>
+                                    <p:set>
+                                      <p:cBhvr>
+                                        <p:cTn id="16" dur="1" fill="hold">
+                                          <p:stCondLst>
+                                            <p:cond delay="0"/>
+                                          </p:stCondLst>
+                                        </p:cTn>
+                                        <p:tgtEl>
+                                          <p:spTgt spid="4"/>
+                                        </p:tgtEl>
+                                        <p:attrNameLst>
+                                          <p:attrName>style.visibility</p:attrName>
+                                        </p:attrNameLst>
+                                      </p:cBhvr>
+                                      <p:to>
+                                        <p:strVal val="visible"/>
+                                      </p:to>
+                                    </p:set>
+                                    <p:animEffect transition="in" filter="fade">
+                                      <p:cBhvr>
+                                        <p:cTn id="17" dur="1000"/>
+                                        <p:tgtEl>
+                                          <p:spTgt spid="4"/>
+                                        </p:tgtEl>
+                                      </p:cBhvr>
+                                    </p:animEffect>
+                                    <p:anim calcmode="lin" valueType="num">
+                                      <p:cBhvr>
+                                        <p:cTn id="18" dur="1000" fill="hold"/>
+                                        <p:tgtEl>
+                                          <p:spTgt spid="4"/>
+                                        </p:tgtEl>
+                                        <p:attrNameLst>
+                                          <p:attrName>ppt_x</p:attrName>
+                                        </p:attrNameLst>
+                                      </p:cBhvr>
+                                      <p:tavLst>
+                                        <p:tav tm="0">
+                                          <p:val>
+                                            <p:strVal val="#ppt_x"/>
+                                          </p:val>
+                                        </p:tav>
+                                        <p:tav tm="100000">
+                                          <p:val>
+                                            <p:strVal val="#ppt_x"/>
+                                          </p:val>
+                                        </p:tav>
+                                      </p:tavLst>
+                                    </p:anim>
+                                    <p:anim calcmode="lin" valueType="num">
+                                      <p:cBhvr>
+                                        <p:cTn id="19" dur="1000" fill="hold"/>
+                                        <p:tgtEl>
+                                          <p:spTgt spid="4"/>
+                                        </p:tgtEl>
+                                        <p:attrNameLst>
+                                          <p:attrName>ppt_y</p:attrName>
+                                        </p:attrNameLst>
+                                      </p:cBhvr>
+                                      <p:tavLst>
+                                        <p:tav tm="0">
+                                          <p:val>
+                                            <p:strVal val="#ppt_y+.1"/>
+                                          </p:val>
+                                        </p:tav>
+                                        <p:tav tm="100000">
+                                          <p:val>
+                                            <p:strVal val="#ppt_y"/>
+                                          </p:val>
+                                        </p:tav>
+                                      </p:tavLst>
+                                    </p:anim>
+                                  </p:childTnLst>
+                                </p:cTn>
+                              </p:par>
+                            </p:childTnLst>
+                          </p:cTn>
+                        </p:par>
+                      </p:childTnLst>
+                    </p:cTn>
+                  </p:par>
+                </p:childTnLst>
+              </p:cTn>
+              <p:prevCondLst>
+                <p:cond evt="onPrev" delay="0">
+                  <p:tgtEl>
+                    <p:sldTgt/>
+                  </p:tgtEl>
+                </p:cond>
+              </p:prevCondLst>
+              <p:nextCondLst>
+                <p:cond evt="onNext" delay="0">
+                  <p:tgtEl>
+                    <p:sldTgt/>
+                  </p:tgtEl>
+                </p:cond>
+              </p:nextCondLst>
+            </p:seq>
+          </p:childTnLst>
+        </p:cTn>
+      </p:par>
+    </p:tnLst>
+    <p:bldLst>
+      <p:bldP spid="2" grpId="0"/>
+      <p:bldP spid="3" grpId="0"/>
+    </p:bldLst>
+  </p:timing>
+</p:sld>
+</file>
+
+<file path=ppt/slides/slide3.xml><?xml version="1.0" encoding="utf-8"?>
 <p:sld xmlns:a="http://schemas.openxmlformats.org/drawingml/2006/main" xmlns:r="http://schemas.openxmlformats.org/officeDocument/2006/relationships" xmlns:p="http://schemas.openxmlformats.org/presentationml/2006/main">
   <p:cSld>
     <p:spTree>
@@ -7121,6 +7653,18 @@
   <p:clrMapOvr>
     <a:masterClrMapping/>
   </p:clrMapOvr>
+  <mc:AlternateContent xmlns:mc="http://schemas.openxmlformats.org/markup-compatibility/2006">
+    <mc:Choice xmlns:p14="http://schemas.microsoft.com/office/powerpoint/2010/main" Requires="p14">
+      <p:transition spd="slow" p14:dur="2500">
+        <p:checker/>
+      </p:transition>
+    </mc:Choice>
+    <mc:Fallback>
+      <p:transition spd="slow">
+        <p:checker/>
+      </p:transition>
+    </mc:Fallback>
+  </mc:AlternateContent>
   <p:timing>
     <p:tnLst>
       <p:par>
@@ -7355,427 +7899,6 @@
                                         </p:tgtEl>
                                       </p:cBhvr>
                                     </p:animEffect>
-                                  </p:childTnLst>
-                                </p:cTn>
-                              </p:par>
-                            </p:childTnLst>
-                          </p:cTn>
-                        </p:par>
-                      </p:childTnLst>
-                    </p:cTn>
-                  </p:par>
-                </p:childTnLst>
-              </p:cTn>
-              <p:prevCondLst>
-                <p:cond evt="onPrev" delay="0">
-                  <p:tgtEl>
-                    <p:sldTgt/>
-                  </p:tgtEl>
-                </p:cond>
-              </p:prevCondLst>
-              <p:nextCondLst>
-                <p:cond evt="onNext" delay="0">
-                  <p:tgtEl>
-                    <p:sldTgt/>
-                  </p:tgtEl>
-                </p:cond>
-              </p:nextCondLst>
-            </p:seq>
-          </p:childTnLst>
-        </p:cTn>
-      </p:par>
-    </p:tnLst>
-    <p:bldLst>
-      <p:bldP spid="2" grpId="0"/>
-      <p:bldP spid="3" grpId="0"/>
-    </p:bldLst>
-  </p:timing>
-</p:sld>
-</file>
-
-<file path=ppt/slides/slide3.xml><?xml version="1.0" encoding="utf-8"?>
-<p:sld xmlns:a="http://schemas.openxmlformats.org/drawingml/2006/main" xmlns:r="http://schemas.openxmlformats.org/officeDocument/2006/relationships" xmlns:p="http://schemas.openxmlformats.org/presentationml/2006/main">
-  <p:cSld>
-    <p:spTree>
-      <p:nvGrpSpPr>
-        <p:cNvPr id="1" name=""/>
-        <p:cNvGrpSpPr/>
-        <p:nvPr/>
-      </p:nvGrpSpPr>
-      <p:grpSpPr>
-        <a:xfrm>
-          <a:off x="0" y="0"/>
-          <a:ext cx="0" cy="0"/>
-          <a:chOff x="0" y="0"/>
-          <a:chExt cx="0" cy="0"/>
-        </a:xfrm>
-      </p:grpSpPr>
-      <p:sp>
-        <p:nvSpPr>
-          <p:cNvPr id="2" name="TextBox 1"/>
-          <p:cNvSpPr txBox="1"/>
-          <p:nvPr/>
-        </p:nvSpPr>
-        <p:spPr>
-          <a:xfrm>
-            <a:off x="251520" y="188640"/>
-            <a:ext cx="3456384" cy="707886"/>
-          </a:xfrm>
-          <a:prstGeom prst="rect">
-            <a:avLst/>
-          </a:prstGeom>
-          <a:noFill/>
-        </p:spPr>
-        <p:txBody>
-          <a:bodyPr wrap="square" rtlCol="0">
-            <a:spAutoFit/>
-          </a:bodyPr>
-          <a:lstStyle/>
-          <a:p>
-            <a:r>
-              <a:rPr lang="en-US" sz="4000" dirty="0" smtClean="0">
-                <a:solidFill>
-                  <a:schemeClr val="accent2">
-                    <a:lumMod val="50000"/>
-                  </a:schemeClr>
-                </a:solidFill>
-                <a:latin typeface="Algerian" pitchFamily="82" charset="0"/>
-              </a:rPr>
-              <a:t>HENRI FAYOL</a:t>
-            </a:r>
-            <a:endParaRPr lang="en-IN" sz="4000" dirty="0">
-              <a:solidFill>
-                <a:schemeClr val="accent2">
-                  <a:lumMod val="50000"/>
-                </a:schemeClr>
-              </a:solidFill>
-              <a:latin typeface="Algerian" pitchFamily="82" charset="0"/>
-            </a:endParaRPr>
-          </a:p>
-        </p:txBody>
-      </p:sp>
-      <p:sp>
-        <p:nvSpPr>
-          <p:cNvPr id="3" name="TextBox 2"/>
-          <p:cNvSpPr txBox="1"/>
-          <p:nvPr/>
-        </p:nvSpPr>
-        <p:spPr>
-          <a:xfrm>
-            <a:off x="67785" y="1844824"/>
-            <a:ext cx="5256584" cy="2246769"/>
-          </a:xfrm>
-          <a:prstGeom prst="rect">
-            <a:avLst/>
-          </a:prstGeom>
-          <a:noFill/>
-        </p:spPr>
-        <p:txBody>
-          <a:bodyPr wrap="square" rtlCol="0">
-            <a:spAutoFit/>
-          </a:bodyPr>
-          <a:lstStyle/>
-          <a:p>
-            <a:r>
-              <a:rPr lang="en-US" sz="2800" dirty="0">
-                <a:solidFill>
-                  <a:schemeClr val="accent3">
-                    <a:lumMod val="50000"/>
-                  </a:schemeClr>
-                </a:solidFill>
-                <a:latin typeface="Bell MT" pitchFamily="18" charset="0"/>
-              </a:rPr>
-              <a:t>Henri </a:t>
-            </a:r>
-            <a:r>
-              <a:rPr lang="en-US" sz="2800" dirty="0" err="1">
-                <a:solidFill>
-                  <a:schemeClr val="accent3">
-                    <a:lumMod val="50000"/>
-                  </a:schemeClr>
-                </a:solidFill>
-                <a:latin typeface="Bell MT" pitchFamily="18" charset="0"/>
-              </a:rPr>
-              <a:t>Fayol</a:t>
-            </a:r>
-            <a:r>
-              <a:rPr lang="en-US" sz="2800" dirty="0">
-                <a:solidFill>
-                  <a:schemeClr val="accent3">
-                    <a:lumMod val="50000"/>
-                  </a:schemeClr>
-                </a:solidFill>
-                <a:latin typeface="Bell MT" pitchFamily="18" charset="0"/>
-              </a:rPr>
-              <a:t> was a French mining engineer who became a key figure in developing management theory. He's often called the "Father of Modern Management"</a:t>
-            </a:r>
-            <a:endParaRPr lang="en-IN" sz="2800" dirty="0">
-              <a:solidFill>
-                <a:schemeClr val="accent3">
-                  <a:lumMod val="50000"/>
-                </a:schemeClr>
-              </a:solidFill>
-              <a:latin typeface="Bell MT" pitchFamily="18" charset="0"/>
-            </a:endParaRPr>
-          </a:p>
-        </p:txBody>
-      </p:sp>
-      <p:pic>
-        <p:nvPicPr>
-          <p:cNvPr id="4" name="Picture 3"/>
-          <p:cNvPicPr>
-            <a:picLocks noChangeAspect="1"/>
-          </p:cNvPicPr>
-          <p:nvPr/>
-        </p:nvPicPr>
-        <p:blipFill>
-          <a:blip r:embed="rId2">
-            <a:extLst>
-              <a:ext uri="{28A0092B-C50C-407E-A947-70E740481C1C}">
-                <a14:useLocalDpi xmlns:a14="http://schemas.microsoft.com/office/drawing/2010/main" val="0"/>
-              </a:ext>
-            </a:extLst>
-          </a:blip>
-          <a:stretch>
-            <a:fillRect/>
-          </a:stretch>
-        </p:blipFill>
-        <p:spPr>
-          <a:xfrm>
-            <a:off x="5580112" y="1360591"/>
-            <a:ext cx="2880320" cy="3215234"/>
-          </a:xfrm>
-          <a:prstGeom prst="rect">
-            <a:avLst/>
-          </a:prstGeom>
-          <a:ln w="228600" cap="sq" cmpd="thickThin">
-            <a:solidFill>
-              <a:srgbClr val="000000"/>
-            </a:solidFill>
-            <a:prstDash val="solid"/>
-            <a:miter lim="800000"/>
-          </a:ln>
-          <a:effectLst>
-            <a:innerShdw blurRad="76200">
-              <a:srgbClr val="000000"/>
-            </a:innerShdw>
-          </a:effectLst>
-        </p:spPr>
-      </p:pic>
-    </p:spTree>
-    <p:extLst>
-      <p:ext uri="{BB962C8B-B14F-4D97-AF65-F5344CB8AC3E}">
-        <p14:creationId xmlns:p14="http://schemas.microsoft.com/office/powerpoint/2010/main" val="844516448"/>
-      </p:ext>
-    </p:extLst>
-  </p:cSld>
-  <p:clrMapOvr>
-    <a:masterClrMapping/>
-  </p:clrMapOvr>
-  <p:timing>
-    <p:tnLst>
-      <p:par>
-        <p:cTn id="1" dur="indefinite" restart="never" nodeType="tmRoot">
-          <p:childTnLst>
-            <p:seq concurrent="1" nextAc="seek">
-              <p:cTn id="2" dur="indefinite" nodeType="mainSeq">
-                <p:childTnLst>
-                  <p:par>
-                    <p:cTn id="3" fill="hold">
-                      <p:stCondLst>
-                        <p:cond delay="indefinite"/>
-                      </p:stCondLst>
-                      <p:childTnLst>
-                        <p:par>
-                          <p:cTn id="4" fill="hold">
-                            <p:stCondLst>
-                              <p:cond delay="0"/>
-                            </p:stCondLst>
-                            <p:childTnLst>
-                              <p:par>
-                                <p:cTn id="5" presetID="14" presetClass="entr" presetSubtype="10" fill="hold" grpId="0" nodeType="clickEffect">
-                                  <p:stCondLst>
-                                    <p:cond delay="0"/>
-                                  </p:stCondLst>
-                                  <p:childTnLst>
-                                    <p:set>
-                                      <p:cBhvr>
-                                        <p:cTn id="6" dur="1" fill="hold">
-                                          <p:stCondLst>
-                                            <p:cond delay="0"/>
-                                          </p:stCondLst>
-                                        </p:cTn>
-                                        <p:tgtEl>
-                                          <p:spTgt spid="2"/>
-                                        </p:tgtEl>
-                                        <p:attrNameLst>
-                                          <p:attrName>style.visibility</p:attrName>
-                                        </p:attrNameLst>
-                                      </p:cBhvr>
-                                      <p:to>
-                                        <p:strVal val="visible"/>
-                                      </p:to>
-                                    </p:set>
-                                    <p:animEffect transition="in" filter="randombar(horizontal)">
-                                      <p:cBhvr>
-                                        <p:cTn id="7" dur="500"/>
-                                        <p:tgtEl>
-                                          <p:spTgt spid="2"/>
-                                        </p:tgtEl>
-                                      </p:cBhvr>
-                                    </p:animEffect>
-                                  </p:childTnLst>
-                                </p:cTn>
-                              </p:par>
-                            </p:childTnLst>
-                          </p:cTn>
-                        </p:par>
-                      </p:childTnLst>
-                    </p:cTn>
-                  </p:par>
-                  <p:par>
-                    <p:cTn id="8" fill="hold">
-                      <p:stCondLst>
-                        <p:cond delay="indefinite"/>
-                      </p:stCondLst>
-                      <p:childTnLst>
-                        <p:par>
-                          <p:cTn id="9" fill="hold">
-                            <p:stCondLst>
-                              <p:cond delay="0"/>
-                            </p:stCondLst>
-                            <p:childTnLst>
-                              <p:par>
-                                <p:cTn id="10" presetID="16" presetClass="entr" presetSubtype="21" fill="hold" grpId="0" nodeType="clickEffect">
-                                  <p:stCondLst>
-                                    <p:cond delay="0"/>
-                                  </p:stCondLst>
-                                  <p:childTnLst>
-                                    <p:set>
-                                      <p:cBhvr>
-                                        <p:cTn id="11" dur="1" fill="hold">
-                                          <p:stCondLst>
-                                            <p:cond delay="0"/>
-                                          </p:stCondLst>
-                                        </p:cTn>
-                                        <p:tgtEl>
-                                          <p:spTgt spid="3"/>
-                                        </p:tgtEl>
-                                        <p:attrNameLst>
-                                          <p:attrName>style.visibility</p:attrName>
-                                        </p:attrNameLst>
-                                      </p:cBhvr>
-                                      <p:to>
-                                        <p:strVal val="visible"/>
-                                      </p:to>
-                                    </p:set>
-                                    <p:animEffect transition="in" filter="barn(inVertical)">
-                                      <p:cBhvr>
-                                        <p:cTn id="12" dur="500"/>
-                                        <p:tgtEl>
-                                          <p:spTgt spid="3"/>
-                                        </p:tgtEl>
-                                      </p:cBhvr>
-                                    </p:animEffect>
-                                  </p:childTnLst>
-                                </p:cTn>
-                              </p:par>
-                            </p:childTnLst>
-                          </p:cTn>
-                        </p:par>
-                      </p:childTnLst>
-                    </p:cTn>
-                  </p:par>
-                  <p:par>
-                    <p:cTn id="13" fill="hold">
-                      <p:stCondLst>
-                        <p:cond delay="indefinite"/>
-                      </p:stCondLst>
-                      <p:childTnLst>
-                        <p:par>
-                          <p:cTn id="14" fill="hold">
-                            <p:stCondLst>
-                              <p:cond delay="0"/>
-                            </p:stCondLst>
-                            <p:childTnLst>
-                              <p:par>
-                                <p:cTn id="15" presetID="42" presetClass="entr" presetSubtype="0" fill="hold" nodeType="clickEffect">
-                                  <p:stCondLst>
-                                    <p:cond delay="0"/>
-                                  </p:stCondLst>
-                                  <p:childTnLst>
-                                    <p:set>
-                                      <p:cBhvr>
-                                        <p:cTn id="16" dur="1" fill="hold">
-                                          <p:stCondLst>
-                                            <p:cond delay="0"/>
-                                          </p:stCondLst>
-                                        </p:cTn>
-                                        <p:tgtEl>
-                                          <p:spTgt spid="4"/>
-                                        </p:tgtEl>
-                                        <p:attrNameLst>
-                                          <p:attrName>style.visibility</p:attrName>
-                                        </p:attrNameLst>
-                                      </p:cBhvr>
-                                      <p:to>
-                                        <p:strVal val="visible"/>
-                                      </p:to>
-                                    </p:set>
-                                    <p:animEffect transition="in" filter="fade">
-                                      <p:cBhvr>
-                                        <p:cTn id="17" dur="1000"/>
-                                        <p:tgtEl>
-                                          <p:spTgt spid="4"/>
-                                        </p:tgtEl>
-                                      </p:cBhvr>
-                                    </p:animEffect>
-                                    <p:anim calcmode="lin" valueType="num">
-                                      <p:cBhvr>
-                                        <p:cTn id="18" dur="1000" fill="hold"/>
-                                        <p:tgtEl>
-                                          <p:spTgt spid="4"/>
-                                        </p:tgtEl>
-                                        <p:attrNameLst>
-                                          <p:attrName>ppt_x</p:attrName>
-                                        </p:attrNameLst>
-                                      </p:cBhvr>
-                                      <p:tavLst>
-                                        <p:tav tm="0">
-                                          <p:val>
-                                            <p:strVal val="#ppt_x"/>
-                                          </p:val>
-                                        </p:tav>
-                                        <p:tav tm="100000">
-                                          <p:val>
-                                            <p:strVal val="#ppt_x"/>
-                                          </p:val>
-                                        </p:tav>
-                                      </p:tavLst>
-                                    </p:anim>
-                                    <p:anim calcmode="lin" valueType="num">
-                                      <p:cBhvr>
-                                        <p:cTn id="19" dur="1000" fill="hold"/>
-                                        <p:tgtEl>
-                                          <p:spTgt spid="4"/>
-                                        </p:tgtEl>
-                                        <p:attrNameLst>
-                                          <p:attrName>ppt_y</p:attrName>
-                                        </p:attrNameLst>
-                                      </p:cBhvr>
-                                      <p:tavLst>
-                                        <p:tav tm="0">
-                                          <p:val>
-                                            <p:strVal val="#ppt_y+.1"/>
-                                          </p:val>
-                                        </p:tav>
-                                        <p:tav tm="100000">
-                                          <p:val>
-                                            <p:strVal val="#ppt_y"/>
-                                          </p:val>
-                                        </p:tav>
-                                      </p:tavLst>
-                                    </p:anim>
                                   </p:childTnLst>
                                 </p:cTn>
                               </p:par>
@@ -7869,25 +7992,7 @@
                 </a:solidFill>
                 <a:latin typeface="Algerian" pitchFamily="82" charset="0"/>
               </a:rPr>
-              <a:t> </a:t>
-            </a:r>
-            <a:r>
-              <a:rPr lang="en-IN" sz="3200" dirty="0" smtClean="0">
-                <a:solidFill>
-                  <a:srgbClr val="00B050"/>
-                </a:solidFill>
-                <a:latin typeface="Algerian" pitchFamily="82" charset="0"/>
-              </a:rPr>
-              <a:t>OF MODERN </a:t>
-            </a:r>
-            <a:r>
-              <a:rPr lang="en-IN" sz="3200" dirty="0" smtClean="0">
-                <a:solidFill>
-                  <a:srgbClr val="00B050"/>
-                </a:solidFill>
-                <a:latin typeface="Algerian" pitchFamily="82" charset="0"/>
-              </a:rPr>
-              <a:t>MANAGEMENT THEORY</a:t>
+              <a:t> OF MODERN MANAGEMENT THEORY</a:t>
             </a:r>
             <a:endParaRPr lang="en-US" sz="3200" dirty="0" smtClean="0">
               <a:solidFill>
@@ -8014,6 +8119,9 @@
   <p:clrMapOvr>
     <a:masterClrMapping/>
   </p:clrMapOvr>
+  <p:transition spd="slow">
+    <p:pull/>
+  </p:transition>
   <p:timing>
     <p:tnLst>
       <p:par>
@@ -8248,6 +8356,740 @@
 </file>
 
 <file path=ppt/slides/slide5.xml><?xml version="1.0" encoding="utf-8"?>
+<p:sld xmlns:a="http://schemas.openxmlformats.org/drawingml/2006/main" xmlns:r="http://schemas.openxmlformats.org/officeDocument/2006/relationships" xmlns:p="http://schemas.openxmlformats.org/presentationml/2006/main">
+  <p:cSld>
+    <p:spTree>
+      <p:nvGrpSpPr>
+        <p:cNvPr id="1" name=""/>
+        <p:cNvGrpSpPr/>
+        <p:nvPr/>
+      </p:nvGrpSpPr>
+      <p:grpSpPr>
+        <a:xfrm>
+          <a:off x="0" y="0"/>
+          <a:ext cx="0" cy="0"/>
+          <a:chOff x="0" y="0"/>
+          <a:chExt cx="0" cy="0"/>
+        </a:xfrm>
+      </p:grpSpPr>
+      <p:sp>
+        <p:nvSpPr>
+          <p:cNvPr id="2" name="TextBox 1"/>
+          <p:cNvSpPr txBox="1"/>
+          <p:nvPr/>
+        </p:nvSpPr>
+        <p:spPr>
+          <a:xfrm>
+            <a:off x="971600" y="188640"/>
+            <a:ext cx="7776864" cy="584775"/>
+          </a:xfrm>
+          <a:prstGeom prst="rect">
+            <a:avLst/>
+          </a:prstGeom>
+          <a:noFill/>
+        </p:spPr>
+        <p:txBody>
+          <a:bodyPr wrap="square" rtlCol="0">
+            <a:spAutoFit/>
+          </a:bodyPr>
+          <a:lstStyle/>
+          <a:p>
+            <a:r>
+              <a:rPr lang="en-US" sz="3200" dirty="0" smtClean="0">
+                <a:solidFill>
+                  <a:schemeClr val="accent2">
+                    <a:lumMod val="50000"/>
+                  </a:schemeClr>
+                </a:solidFill>
+                <a:latin typeface="Algerian" pitchFamily="82" charset="0"/>
+              </a:rPr>
+              <a:t>14 PRINCIPLES OF MANAGEMENT</a:t>
+            </a:r>
+            <a:endParaRPr lang="en-IN" sz="3200" dirty="0">
+              <a:solidFill>
+                <a:schemeClr val="accent2">
+                  <a:lumMod val="50000"/>
+                </a:schemeClr>
+              </a:solidFill>
+              <a:latin typeface="Algerian" pitchFamily="82" charset="0"/>
+            </a:endParaRPr>
+          </a:p>
+        </p:txBody>
+      </p:sp>
+      <p:sp>
+        <p:nvSpPr>
+          <p:cNvPr id="3" name="TextBox 2"/>
+          <p:cNvSpPr txBox="1"/>
+          <p:nvPr/>
+        </p:nvSpPr>
+        <p:spPr>
+          <a:xfrm>
+            <a:off x="-22212" y="1054690"/>
+            <a:ext cx="9145016" cy="4401205"/>
+          </a:xfrm>
+          <a:prstGeom prst="rect">
+            <a:avLst/>
+          </a:prstGeom>
+          <a:noFill/>
+        </p:spPr>
+        <p:txBody>
+          <a:bodyPr wrap="square" rtlCol="0">
+            <a:spAutoFit/>
+          </a:bodyPr>
+          <a:lstStyle/>
+          <a:p>
+            <a:pPr marL="342900" indent="-342900">
+              <a:buFont typeface="+mj-lt"/>
+              <a:buAutoNum type="arabicPeriod"/>
+            </a:pPr>
+            <a:r>
+              <a:rPr lang="en-US" sz="2800" dirty="0" smtClean="0">
+                <a:solidFill>
+                  <a:srgbClr val="7030A0"/>
+                </a:solidFill>
+                <a:latin typeface="Bell MT" pitchFamily="18" charset="0"/>
+              </a:rPr>
+              <a:t>DIVISION OF WORK</a:t>
+            </a:r>
+          </a:p>
+          <a:p>
+            <a:pPr marL="342900" indent="-342900">
+              <a:buFont typeface="+mj-lt"/>
+              <a:buAutoNum type="arabicPeriod"/>
+            </a:pPr>
+            <a:endParaRPr lang="en-US" sz="2800" dirty="0" smtClean="0">
+              <a:solidFill>
+                <a:srgbClr val="7030A0"/>
+              </a:solidFill>
+              <a:latin typeface="Bell MT" pitchFamily="18" charset="0"/>
+            </a:endParaRPr>
+          </a:p>
+          <a:p>
+            <a:pPr marL="342900" indent="-342900">
+              <a:buFont typeface="+mj-lt"/>
+              <a:buAutoNum type="arabicPeriod"/>
+            </a:pPr>
+            <a:endParaRPr lang="en-US" sz="2800" dirty="0" smtClean="0">
+              <a:solidFill>
+                <a:srgbClr val="7030A0"/>
+              </a:solidFill>
+              <a:latin typeface="Bell MT" pitchFamily="18" charset="0"/>
+            </a:endParaRPr>
+          </a:p>
+          <a:p>
+            <a:pPr marL="342900" indent="-342900">
+              <a:buFont typeface="+mj-lt"/>
+              <a:buAutoNum type="arabicPeriod"/>
+            </a:pPr>
+            <a:endParaRPr lang="en-US" sz="2800" dirty="0" smtClean="0">
+              <a:solidFill>
+                <a:srgbClr val="7030A0"/>
+              </a:solidFill>
+              <a:latin typeface="Bell MT" pitchFamily="18" charset="0"/>
+            </a:endParaRPr>
+          </a:p>
+          <a:p>
+            <a:pPr marL="342900" indent="-342900">
+              <a:buFont typeface="+mj-lt"/>
+              <a:buAutoNum type="arabicPeriod"/>
+            </a:pPr>
+            <a:endParaRPr lang="en-US" sz="2800" dirty="0" smtClean="0">
+              <a:solidFill>
+                <a:srgbClr val="7030A0"/>
+              </a:solidFill>
+              <a:latin typeface="Bell MT" pitchFamily="18" charset="0"/>
+            </a:endParaRPr>
+          </a:p>
+          <a:p>
+            <a:pPr marL="342900" indent="-342900">
+              <a:buFont typeface="+mj-lt"/>
+              <a:buAutoNum type="arabicPeriod"/>
+            </a:pPr>
+            <a:r>
+              <a:rPr lang="en-US" sz="2800" dirty="0" smtClean="0">
+                <a:solidFill>
+                  <a:srgbClr val="7030A0"/>
+                </a:solidFill>
+                <a:latin typeface="Bell MT" pitchFamily="18" charset="0"/>
+              </a:rPr>
+              <a:t>AUTHORITY AND RESPONSIBILITY</a:t>
+            </a:r>
+          </a:p>
+          <a:p>
+            <a:pPr marL="342900" indent="-342900">
+              <a:buFont typeface="+mj-lt"/>
+              <a:buAutoNum type="arabicPeriod"/>
+            </a:pPr>
+            <a:endParaRPr lang="en-US" sz="2800" dirty="0" smtClean="0">
+              <a:solidFill>
+                <a:srgbClr val="7030A0"/>
+              </a:solidFill>
+              <a:latin typeface="Bell MT" pitchFamily="18" charset="0"/>
+            </a:endParaRPr>
+          </a:p>
+          <a:p>
+            <a:pPr marL="342900" indent="-342900">
+              <a:buFont typeface="+mj-lt"/>
+              <a:buAutoNum type="arabicPeriod"/>
+            </a:pPr>
+            <a:endParaRPr lang="en-US" sz="2800" dirty="0" smtClean="0">
+              <a:solidFill>
+                <a:srgbClr val="7030A0"/>
+              </a:solidFill>
+              <a:latin typeface="Bell MT" pitchFamily="18" charset="0"/>
+            </a:endParaRPr>
+          </a:p>
+          <a:p>
+            <a:pPr marL="342900" indent="-342900">
+              <a:buFont typeface="+mj-lt"/>
+              <a:buAutoNum type="arabicPeriod"/>
+            </a:pPr>
+            <a:endParaRPr lang="en-US" sz="2800" dirty="0">
+              <a:solidFill>
+                <a:srgbClr val="7030A0"/>
+              </a:solidFill>
+              <a:latin typeface="Bell MT" pitchFamily="18" charset="0"/>
+            </a:endParaRPr>
+          </a:p>
+          <a:p>
+            <a:pPr marL="342900" indent="-342900">
+              <a:buFont typeface="+mj-lt"/>
+              <a:buAutoNum type="arabicPeriod"/>
+            </a:pPr>
+            <a:endParaRPr lang="en-US" sz="2800" dirty="0" smtClean="0">
+              <a:solidFill>
+                <a:srgbClr val="7030A0"/>
+              </a:solidFill>
+              <a:latin typeface="Bell MT" pitchFamily="18" charset="0"/>
+            </a:endParaRPr>
+          </a:p>
+        </p:txBody>
+      </p:sp>
+      <p:pic>
+        <p:nvPicPr>
+          <p:cNvPr id="1026" name="Picture 2"/>
+          <p:cNvPicPr>
+            <a:picLocks noChangeAspect="1" noChangeArrowheads="1"/>
+          </p:cNvPicPr>
+          <p:nvPr/>
+        </p:nvPicPr>
+        <p:blipFill>
+          <a:blip r:embed="rId2">
+            <a:extLst>
+              <a:ext uri="{28A0092B-C50C-407E-A947-70E740481C1C}">
+                <a14:useLocalDpi xmlns:a14="http://schemas.microsoft.com/office/drawing/2010/main" val="0"/>
+              </a:ext>
+            </a:extLst>
+          </a:blip>
+          <a:srcRect/>
+          <a:stretch>
+            <a:fillRect/>
+          </a:stretch>
+        </p:blipFill>
+        <p:spPr bwMode="auto">
+          <a:xfrm>
+            <a:off x="539552" y="3789040"/>
+            <a:ext cx="2990850" cy="1235968"/>
+          </a:xfrm>
+          <a:prstGeom prst="rect">
+            <a:avLst/>
+          </a:prstGeom>
+          <a:ln w="38100" cap="sq">
+            <a:solidFill>
+              <a:srgbClr val="000000"/>
+            </a:solidFill>
+            <a:prstDash val="solid"/>
+            <a:miter lim="800000"/>
+          </a:ln>
+          <a:effectLst>
+            <a:outerShdw blurRad="50800" dist="38100" dir="2700000" algn="tl" rotWithShape="0">
+              <a:srgbClr val="000000">
+                <a:alpha val="43000"/>
+              </a:srgbClr>
+            </a:outerShdw>
+          </a:effectLst>
+          <a:extLst>
+            <a:ext uri="{909E8E84-426E-40DD-AFC4-6F175D3DCCD1}">
+              <a14:hiddenFill xmlns:a14="http://schemas.microsoft.com/office/drawing/2010/main">
+                <a:solidFill>
+                  <a:schemeClr val="accent1"/>
+                </a:solidFill>
+              </a14:hiddenFill>
+            </a:ext>
+          </a:extLst>
+        </p:spPr>
+      </p:pic>
+      <p:pic>
+        <p:nvPicPr>
+          <p:cNvPr id="1027" name="Picture 3"/>
+          <p:cNvPicPr>
+            <a:picLocks noChangeAspect="1" noChangeArrowheads="1"/>
+          </p:cNvPicPr>
+          <p:nvPr/>
+        </p:nvPicPr>
+        <p:blipFill>
+          <a:blip r:embed="rId3">
+            <a:extLst>
+              <a:ext uri="{28A0092B-C50C-407E-A947-70E740481C1C}">
+                <a14:useLocalDpi xmlns:a14="http://schemas.microsoft.com/office/drawing/2010/main" val="0"/>
+              </a:ext>
+            </a:extLst>
+          </a:blip>
+          <a:srcRect/>
+          <a:stretch>
+            <a:fillRect/>
+          </a:stretch>
+        </p:blipFill>
+        <p:spPr bwMode="auto">
+          <a:xfrm>
+            <a:off x="539552" y="1700808"/>
+            <a:ext cx="2857500" cy="1292105"/>
+          </a:xfrm>
+          <a:prstGeom prst="rect">
+            <a:avLst/>
+          </a:prstGeom>
+          <a:ln w="38100" cap="sq">
+            <a:solidFill>
+              <a:srgbClr val="000000"/>
+            </a:solidFill>
+            <a:prstDash val="solid"/>
+            <a:miter lim="800000"/>
+          </a:ln>
+          <a:effectLst>
+            <a:outerShdw blurRad="50800" dist="38100" dir="2700000" algn="tl" rotWithShape="0">
+              <a:srgbClr val="000000">
+                <a:alpha val="43000"/>
+              </a:srgbClr>
+            </a:outerShdw>
+          </a:effectLst>
+          <a:extLst>
+            <a:ext uri="{909E8E84-426E-40DD-AFC4-6F175D3DCCD1}">
+              <a14:hiddenFill xmlns:a14="http://schemas.microsoft.com/office/drawing/2010/main">
+                <a:solidFill>
+                  <a:schemeClr val="accent1"/>
+                </a:solidFill>
+              </a14:hiddenFill>
+            </a:ext>
+          </a:extLst>
+        </p:spPr>
+      </p:pic>
+    </p:spTree>
+    <p:extLst>
+      <p:ext uri="{BB962C8B-B14F-4D97-AF65-F5344CB8AC3E}">
+        <p14:creationId xmlns:p14="http://schemas.microsoft.com/office/powerpoint/2010/main" val="1800481790"/>
+      </p:ext>
+    </p:extLst>
+  </p:cSld>
+  <p:clrMapOvr>
+    <a:masterClrMapping/>
+  </p:clrMapOvr>
+  <mc:AlternateContent xmlns:mc="http://schemas.openxmlformats.org/markup-compatibility/2006">
+    <mc:Choice xmlns:p14="http://schemas.microsoft.com/office/powerpoint/2010/main" Requires="p14">
+      <p:transition spd="slow" p14:dur="1600">
+        <p14:prism isInverted="1"/>
+      </p:transition>
+    </mc:Choice>
+    <mc:Fallback>
+      <p:transition spd="slow">
+        <p:fade/>
+      </p:transition>
+    </mc:Fallback>
+  </mc:AlternateContent>
+  <p:timing>
+    <p:tnLst>
+      <p:par>
+        <p:cTn id="1" dur="indefinite" restart="never" nodeType="tmRoot">
+          <p:childTnLst>
+            <p:seq concurrent="1" nextAc="seek">
+              <p:cTn id="2" dur="indefinite" nodeType="mainSeq">
+                <p:childTnLst>
+                  <p:par>
+                    <p:cTn id="3" fill="hold">
+                      <p:stCondLst>
+                        <p:cond delay="indefinite"/>
+                      </p:stCondLst>
+                      <p:childTnLst>
+                        <p:par>
+                          <p:cTn id="4" fill="hold">
+                            <p:stCondLst>
+                              <p:cond delay="0"/>
+                            </p:stCondLst>
+                            <p:childTnLst>
+                              <p:par>
+                                <p:cTn id="5" presetID="14" presetClass="entr" presetSubtype="10" fill="hold" grpId="0" nodeType="clickEffect">
+                                  <p:stCondLst>
+                                    <p:cond delay="0"/>
+                                  </p:stCondLst>
+                                  <p:childTnLst>
+                                    <p:set>
+                                      <p:cBhvr>
+                                        <p:cTn id="6" dur="1" fill="hold">
+                                          <p:stCondLst>
+                                            <p:cond delay="0"/>
+                                          </p:stCondLst>
+                                        </p:cTn>
+                                        <p:tgtEl>
+                                          <p:spTgt spid="2"/>
+                                        </p:tgtEl>
+                                        <p:attrNameLst>
+                                          <p:attrName>style.visibility</p:attrName>
+                                        </p:attrNameLst>
+                                      </p:cBhvr>
+                                      <p:to>
+                                        <p:strVal val="visible"/>
+                                      </p:to>
+                                    </p:set>
+                                    <p:animEffect transition="in" filter="randombar(horizontal)">
+                                      <p:cBhvr>
+                                        <p:cTn id="7" dur="500"/>
+                                        <p:tgtEl>
+                                          <p:spTgt spid="2"/>
+                                        </p:tgtEl>
+                                      </p:cBhvr>
+                                    </p:animEffect>
+                                  </p:childTnLst>
+                                </p:cTn>
+                              </p:par>
+                            </p:childTnLst>
+                          </p:cTn>
+                        </p:par>
+                      </p:childTnLst>
+                    </p:cTn>
+                  </p:par>
+                  <p:par>
+                    <p:cTn id="8" fill="hold">
+                      <p:stCondLst>
+                        <p:cond delay="indefinite"/>
+                      </p:stCondLst>
+                      <p:childTnLst>
+                        <p:par>
+                          <p:cTn id="9" fill="hold">
+                            <p:stCondLst>
+                              <p:cond delay="0"/>
+                            </p:stCondLst>
+                            <p:childTnLst>
+                              <p:par>
+                                <p:cTn id="10" presetID="31" presetClass="entr" presetSubtype="0" fill="hold" grpId="0" nodeType="clickEffect">
+                                  <p:stCondLst>
+                                    <p:cond delay="0"/>
+                                  </p:stCondLst>
+                                  <p:childTnLst>
+                                    <p:set>
+                                      <p:cBhvr>
+                                        <p:cTn id="11" dur="1" fill="hold">
+                                          <p:stCondLst>
+                                            <p:cond delay="0"/>
+                                          </p:stCondLst>
+                                        </p:cTn>
+                                        <p:tgtEl>
+                                          <p:spTgt spid="3"/>
+                                        </p:tgtEl>
+                                        <p:attrNameLst>
+                                          <p:attrName>style.visibility</p:attrName>
+                                        </p:attrNameLst>
+                                      </p:cBhvr>
+                                      <p:to>
+                                        <p:strVal val="visible"/>
+                                      </p:to>
+                                    </p:set>
+                                    <p:anim calcmode="lin" valueType="num">
+                                      <p:cBhvr>
+                                        <p:cTn id="12" dur="1000" fill="hold"/>
+                                        <p:tgtEl>
+                                          <p:spTgt spid="3"/>
+                                        </p:tgtEl>
+                                        <p:attrNameLst>
+                                          <p:attrName>ppt_w</p:attrName>
+                                        </p:attrNameLst>
+                                      </p:cBhvr>
+                                      <p:tavLst>
+                                        <p:tav tm="0">
+                                          <p:val>
+                                            <p:fltVal val="0"/>
+                                          </p:val>
+                                        </p:tav>
+                                        <p:tav tm="100000">
+                                          <p:val>
+                                            <p:strVal val="#ppt_w"/>
+                                          </p:val>
+                                        </p:tav>
+                                      </p:tavLst>
+                                    </p:anim>
+                                    <p:anim calcmode="lin" valueType="num">
+                                      <p:cBhvr>
+                                        <p:cTn id="13" dur="1000" fill="hold"/>
+                                        <p:tgtEl>
+                                          <p:spTgt spid="3"/>
+                                        </p:tgtEl>
+                                        <p:attrNameLst>
+                                          <p:attrName>ppt_h</p:attrName>
+                                        </p:attrNameLst>
+                                      </p:cBhvr>
+                                      <p:tavLst>
+                                        <p:tav tm="0">
+                                          <p:val>
+                                            <p:fltVal val="0"/>
+                                          </p:val>
+                                        </p:tav>
+                                        <p:tav tm="100000">
+                                          <p:val>
+                                            <p:strVal val="#ppt_h"/>
+                                          </p:val>
+                                        </p:tav>
+                                      </p:tavLst>
+                                    </p:anim>
+                                    <p:anim calcmode="lin" valueType="num">
+                                      <p:cBhvr>
+                                        <p:cTn id="14" dur="1000" fill="hold"/>
+                                        <p:tgtEl>
+                                          <p:spTgt spid="3"/>
+                                        </p:tgtEl>
+                                        <p:attrNameLst>
+                                          <p:attrName>style.rotation</p:attrName>
+                                        </p:attrNameLst>
+                                      </p:cBhvr>
+                                      <p:tavLst>
+                                        <p:tav tm="0">
+                                          <p:val>
+                                            <p:fltVal val="90"/>
+                                          </p:val>
+                                        </p:tav>
+                                        <p:tav tm="100000">
+                                          <p:val>
+                                            <p:fltVal val="0"/>
+                                          </p:val>
+                                        </p:tav>
+                                      </p:tavLst>
+                                    </p:anim>
+                                    <p:animEffect transition="in" filter="fade">
+                                      <p:cBhvr>
+                                        <p:cTn id="15" dur="1000"/>
+                                        <p:tgtEl>
+                                          <p:spTgt spid="3"/>
+                                        </p:tgtEl>
+                                      </p:cBhvr>
+                                    </p:animEffect>
+                                  </p:childTnLst>
+                                </p:cTn>
+                              </p:par>
+                            </p:childTnLst>
+                          </p:cTn>
+                        </p:par>
+                      </p:childTnLst>
+                    </p:cTn>
+                  </p:par>
+                  <p:par>
+                    <p:cTn id="16" fill="hold">
+                      <p:stCondLst>
+                        <p:cond delay="indefinite"/>
+                      </p:stCondLst>
+                      <p:childTnLst>
+                        <p:par>
+                          <p:cTn id="17" fill="hold">
+                            <p:stCondLst>
+                              <p:cond delay="0"/>
+                            </p:stCondLst>
+                            <p:childTnLst>
+                              <p:par>
+                                <p:cTn id="18" presetID="2" presetClass="entr" presetSubtype="4" fill="hold" nodeType="clickEffect">
+                                  <p:stCondLst>
+                                    <p:cond delay="0"/>
+                                  </p:stCondLst>
+                                  <p:childTnLst>
+                                    <p:set>
+                                      <p:cBhvr>
+                                        <p:cTn id="19" dur="1" fill="hold">
+                                          <p:stCondLst>
+                                            <p:cond delay="0"/>
+                                          </p:stCondLst>
+                                        </p:cTn>
+                                        <p:tgtEl>
+                                          <p:spTgt spid="1027"/>
+                                        </p:tgtEl>
+                                        <p:attrNameLst>
+                                          <p:attrName>style.visibility</p:attrName>
+                                        </p:attrNameLst>
+                                      </p:cBhvr>
+                                      <p:to>
+                                        <p:strVal val="visible"/>
+                                      </p:to>
+                                    </p:set>
+                                    <p:anim calcmode="lin" valueType="num">
+                                      <p:cBhvr additive="base">
+                                        <p:cTn id="20" dur="500" fill="hold"/>
+                                        <p:tgtEl>
+                                          <p:spTgt spid="1027"/>
+                                        </p:tgtEl>
+                                        <p:attrNameLst>
+                                          <p:attrName>ppt_x</p:attrName>
+                                        </p:attrNameLst>
+                                      </p:cBhvr>
+                                      <p:tavLst>
+                                        <p:tav tm="0">
+                                          <p:val>
+                                            <p:strVal val="#ppt_x"/>
+                                          </p:val>
+                                        </p:tav>
+                                        <p:tav tm="100000">
+                                          <p:val>
+                                            <p:strVal val="#ppt_x"/>
+                                          </p:val>
+                                        </p:tav>
+                                      </p:tavLst>
+                                    </p:anim>
+                                    <p:anim calcmode="lin" valueType="num">
+                                      <p:cBhvr additive="base">
+                                        <p:cTn id="21" dur="500" fill="hold"/>
+                                        <p:tgtEl>
+                                          <p:spTgt spid="1027"/>
+                                        </p:tgtEl>
+                                        <p:attrNameLst>
+                                          <p:attrName>ppt_y</p:attrName>
+                                        </p:attrNameLst>
+                                      </p:cBhvr>
+                                      <p:tavLst>
+                                        <p:tav tm="0">
+                                          <p:val>
+                                            <p:strVal val="1+#ppt_h/2"/>
+                                          </p:val>
+                                        </p:tav>
+                                        <p:tav tm="100000">
+                                          <p:val>
+                                            <p:strVal val="#ppt_y"/>
+                                          </p:val>
+                                        </p:tav>
+                                      </p:tavLst>
+                                    </p:anim>
+                                  </p:childTnLst>
+                                </p:cTn>
+                              </p:par>
+                            </p:childTnLst>
+                          </p:cTn>
+                        </p:par>
+                      </p:childTnLst>
+                    </p:cTn>
+                  </p:par>
+                  <p:par>
+                    <p:cTn id="22" fill="hold">
+                      <p:stCondLst>
+                        <p:cond delay="indefinite"/>
+                      </p:stCondLst>
+                      <p:childTnLst>
+                        <p:par>
+                          <p:cTn id="23" fill="hold">
+                            <p:stCondLst>
+                              <p:cond delay="0"/>
+                            </p:stCondLst>
+                            <p:childTnLst>
+                              <p:par>
+                                <p:cTn id="24" presetID="2" presetClass="entr" presetSubtype="4" fill="hold" nodeType="clickEffect">
+                                  <p:stCondLst>
+                                    <p:cond delay="0"/>
+                                  </p:stCondLst>
+                                  <p:childTnLst>
+                                    <p:set>
+                                      <p:cBhvr>
+                                        <p:cTn id="25" dur="1" fill="hold">
+                                          <p:stCondLst>
+                                            <p:cond delay="0"/>
+                                          </p:stCondLst>
+                                        </p:cTn>
+                                        <p:tgtEl>
+                                          <p:spTgt spid="1026"/>
+                                        </p:tgtEl>
+                                        <p:attrNameLst>
+                                          <p:attrName>style.visibility</p:attrName>
+                                        </p:attrNameLst>
+                                      </p:cBhvr>
+                                      <p:to>
+                                        <p:strVal val="visible"/>
+                                      </p:to>
+                                    </p:set>
+                                    <p:anim calcmode="lin" valueType="num">
+                                      <p:cBhvr additive="base">
+                                        <p:cTn id="26" dur="500" fill="hold"/>
+                                        <p:tgtEl>
+                                          <p:spTgt spid="1026"/>
+                                        </p:tgtEl>
+                                        <p:attrNameLst>
+                                          <p:attrName>ppt_x</p:attrName>
+                                        </p:attrNameLst>
+                                      </p:cBhvr>
+                                      <p:tavLst>
+                                        <p:tav tm="0">
+                                          <p:val>
+                                            <p:strVal val="#ppt_x"/>
+                                          </p:val>
+                                        </p:tav>
+                                        <p:tav tm="100000">
+                                          <p:val>
+                                            <p:strVal val="#ppt_x"/>
+                                          </p:val>
+                                        </p:tav>
+                                      </p:tavLst>
+                                    </p:anim>
+                                    <p:anim calcmode="lin" valueType="num">
+                                      <p:cBhvr additive="base">
+                                        <p:cTn id="27" dur="500" fill="hold"/>
+                                        <p:tgtEl>
+                                          <p:spTgt spid="1026"/>
+                                        </p:tgtEl>
+                                        <p:attrNameLst>
+                                          <p:attrName>ppt_y</p:attrName>
+                                        </p:attrNameLst>
+                                      </p:cBhvr>
+                                      <p:tavLst>
+                                        <p:tav tm="0">
+                                          <p:val>
+                                            <p:strVal val="1+#ppt_h/2"/>
+                                          </p:val>
+                                        </p:tav>
+                                        <p:tav tm="100000">
+                                          <p:val>
+                                            <p:strVal val="#ppt_y"/>
+                                          </p:val>
+                                        </p:tav>
+                                      </p:tavLst>
+                                    </p:anim>
+                                  </p:childTnLst>
+                                </p:cTn>
+                              </p:par>
+                            </p:childTnLst>
+                          </p:cTn>
+                        </p:par>
+                      </p:childTnLst>
+                    </p:cTn>
+                  </p:par>
+                </p:childTnLst>
+              </p:cTn>
+              <p:prevCondLst>
+                <p:cond evt="onPrev" delay="0">
+                  <p:tgtEl>
+                    <p:sldTgt/>
+                  </p:tgtEl>
+                </p:cond>
+              </p:prevCondLst>
+              <p:nextCondLst>
+                <p:cond evt="onNext" delay="0">
+                  <p:tgtEl>
+                    <p:sldTgt/>
+                  </p:tgtEl>
+                </p:cond>
+              </p:nextCondLst>
+            </p:seq>
+          </p:childTnLst>
+        </p:cTn>
+      </p:par>
+    </p:tnLst>
+    <p:bldLst>
+      <p:bldP spid="2" grpId="0"/>
+      <p:bldP spid="3" grpId="0"/>
+    </p:bldLst>
+  </p:timing>
+</p:sld>
+</file>
+
+<file path=ppt/slides/slide6.xml><?xml version="1.0" encoding="utf-8"?>
 <p:sld xmlns:a="http://schemas.openxmlformats.org/drawingml/2006/main" xmlns:r="http://schemas.openxmlformats.org/officeDocument/2006/relationships" xmlns:p="http://schemas.openxmlformats.org/presentationml/2006/main">
   <p:cSld>
     <p:spTree>
@@ -9539,25 +10381,6 @@
                 </a:solidFill>
               </a14:hiddenFill>
             </a:ext>
-            <a:ext uri="{91240B29-F687-4F45-9708-019B960494DF}">
-              <a14:hiddenLine xmlns:a14="http://schemas.microsoft.com/office/drawing/2010/main" w="9525">
-                <a:solidFill>
-                  <a:schemeClr val="tx1"/>
-                </a:solidFill>
-                <a:miter lim="800000"/>
-                <a:headEnd/>
-                <a:tailEnd/>
-              </a14:hiddenLine>
-            </a:ext>
-            <a:ext uri="{AF507438-7753-43E0-B8FC-AC1667EBCBE1}">
-              <a14:hiddenEffects xmlns:a14="http://schemas.microsoft.com/office/drawing/2010/main">
-                <a:effectLst>
-                  <a:outerShdw dist="35921" dir="2700000" algn="ctr" rotWithShape="0">
-                    <a:schemeClr val="bg2"/>
-                  </a:outerShdw>
-                </a:effectLst>
-              </a14:hiddenEffects>
-            </a:ext>
           </a:extLst>
         </p:spPr>
       </p:pic>
@@ -9571,6 +10394,18 @@
   <p:clrMapOvr>
     <a:masterClrMapping/>
   </p:clrMapOvr>
+  <mc:AlternateContent xmlns:mc="http://schemas.openxmlformats.org/markup-compatibility/2006">
+    <mc:Choice xmlns:p14="http://schemas.microsoft.com/office/powerpoint/2010/main" Requires="p14">
+      <p:transition spd="slow" p14:dur="1600">
+        <p14:gallery dir="l"/>
+      </p:transition>
+    </mc:Choice>
+    <mc:Fallback>
+      <p:transition spd="slow">
+        <p:fade/>
+      </p:transition>
+    </mc:Fallback>
+  </mc:AlternateContent>
   <p:timing>
     <p:tnLst>
       <p:par>
@@ -10029,766 +10864,6 @@
     <p:bldLst>
       <p:bldP spid="3" grpId="0"/>
       <p:bldP spid="4" grpId="0"/>
-    </p:bldLst>
-  </p:timing>
-</p:sld>
-</file>
-
-<file path=ppt/slides/slide6.xml><?xml version="1.0" encoding="utf-8"?>
-<p:sld xmlns:a="http://schemas.openxmlformats.org/drawingml/2006/main" xmlns:r="http://schemas.openxmlformats.org/officeDocument/2006/relationships" xmlns:p="http://schemas.openxmlformats.org/presentationml/2006/main">
-  <p:cSld>
-    <p:spTree>
-      <p:nvGrpSpPr>
-        <p:cNvPr id="1" name=""/>
-        <p:cNvGrpSpPr/>
-        <p:nvPr/>
-      </p:nvGrpSpPr>
-      <p:grpSpPr>
-        <a:xfrm>
-          <a:off x="0" y="0"/>
-          <a:ext cx="0" cy="0"/>
-          <a:chOff x="0" y="0"/>
-          <a:chExt cx="0" cy="0"/>
-        </a:xfrm>
-      </p:grpSpPr>
-      <p:sp>
-        <p:nvSpPr>
-          <p:cNvPr id="2" name="TextBox 1"/>
-          <p:cNvSpPr txBox="1"/>
-          <p:nvPr/>
-        </p:nvSpPr>
-        <p:spPr>
-          <a:xfrm>
-            <a:off x="971600" y="188640"/>
-            <a:ext cx="7776864" cy="584775"/>
-          </a:xfrm>
-          <a:prstGeom prst="rect">
-            <a:avLst/>
-          </a:prstGeom>
-          <a:noFill/>
-        </p:spPr>
-        <p:txBody>
-          <a:bodyPr wrap="square" rtlCol="0">
-            <a:spAutoFit/>
-          </a:bodyPr>
-          <a:lstStyle/>
-          <a:p>
-            <a:r>
-              <a:rPr lang="en-US" sz="3200" dirty="0" smtClean="0">
-                <a:solidFill>
-                  <a:schemeClr val="accent2">
-                    <a:lumMod val="50000"/>
-                  </a:schemeClr>
-                </a:solidFill>
-                <a:latin typeface="Algerian" pitchFamily="82" charset="0"/>
-              </a:rPr>
-              <a:t>14 PRINCIPLES OF MANAGEMENT</a:t>
-            </a:r>
-            <a:endParaRPr lang="en-IN" sz="3200" dirty="0">
-              <a:solidFill>
-                <a:schemeClr val="accent2">
-                  <a:lumMod val="50000"/>
-                </a:schemeClr>
-              </a:solidFill>
-              <a:latin typeface="Algerian" pitchFamily="82" charset="0"/>
-            </a:endParaRPr>
-          </a:p>
-        </p:txBody>
-      </p:sp>
-      <p:sp>
-        <p:nvSpPr>
-          <p:cNvPr id="3" name="TextBox 2"/>
-          <p:cNvSpPr txBox="1"/>
-          <p:nvPr/>
-        </p:nvSpPr>
-        <p:spPr>
-          <a:xfrm>
-            <a:off x="-22212" y="1054690"/>
-            <a:ext cx="9145016" cy="4401205"/>
-          </a:xfrm>
-          <a:prstGeom prst="rect">
-            <a:avLst/>
-          </a:prstGeom>
-          <a:noFill/>
-        </p:spPr>
-        <p:txBody>
-          <a:bodyPr wrap="square" rtlCol="0">
-            <a:spAutoFit/>
-          </a:bodyPr>
-          <a:lstStyle/>
-          <a:p>
-            <a:pPr marL="342900" indent="-342900">
-              <a:buFont typeface="+mj-lt"/>
-              <a:buAutoNum type="arabicPeriod"/>
-            </a:pPr>
-            <a:r>
-              <a:rPr lang="en-US" sz="2800" dirty="0" smtClean="0">
-                <a:solidFill>
-                  <a:srgbClr val="7030A0"/>
-                </a:solidFill>
-                <a:latin typeface="Bell MT" pitchFamily="18" charset="0"/>
-              </a:rPr>
-              <a:t>DIVISION OF WORK</a:t>
-            </a:r>
-          </a:p>
-          <a:p>
-            <a:pPr marL="342900" indent="-342900">
-              <a:buFont typeface="+mj-lt"/>
-              <a:buAutoNum type="arabicPeriod"/>
-            </a:pPr>
-            <a:endParaRPr lang="en-US" sz="2800" dirty="0" smtClean="0">
-              <a:solidFill>
-                <a:srgbClr val="7030A0"/>
-              </a:solidFill>
-              <a:latin typeface="Bell MT" pitchFamily="18" charset="0"/>
-            </a:endParaRPr>
-          </a:p>
-          <a:p>
-            <a:pPr marL="342900" indent="-342900">
-              <a:buFont typeface="+mj-lt"/>
-              <a:buAutoNum type="arabicPeriod"/>
-            </a:pPr>
-            <a:endParaRPr lang="en-US" sz="2800" dirty="0" smtClean="0">
-              <a:solidFill>
-                <a:srgbClr val="7030A0"/>
-              </a:solidFill>
-              <a:latin typeface="Bell MT" pitchFamily="18" charset="0"/>
-            </a:endParaRPr>
-          </a:p>
-          <a:p>
-            <a:pPr marL="342900" indent="-342900">
-              <a:buFont typeface="+mj-lt"/>
-              <a:buAutoNum type="arabicPeriod"/>
-            </a:pPr>
-            <a:endParaRPr lang="en-US" sz="2800" dirty="0" smtClean="0">
-              <a:solidFill>
-                <a:srgbClr val="7030A0"/>
-              </a:solidFill>
-              <a:latin typeface="Bell MT" pitchFamily="18" charset="0"/>
-            </a:endParaRPr>
-          </a:p>
-          <a:p>
-            <a:pPr marL="342900" indent="-342900">
-              <a:buFont typeface="+mj-lt"/>
-              <a:buAutoNum type="arabicPeriod"/>
-            </a:pPr>
-            <a:endParaRPr lang="en-US" sz="2800" dirty="0" smtClean="0">
-              <a:solidFill>
-                <a:srgbClr val="7030A0"/>
-              </a:solidFill>
-              <a:latin typeface="Bell MT" pitchFamily="18" charset="0"/>
-            </a:endParaRPr>
-          </a:p>
-          <a:p>
-            <a:pPr marL="342900" indent="-342900">
-              <a:buFont typeface="+mj-lt"/>
-              <a:buAutoNum type="arabicPeriod"/>
-            </a:pPr>
-            <a:r>
-              <a:rPr lang="en-US" sz="2800" dirty="0" smtClean="0">
-                <a:solidFill>
-                  <a:srgbClr val="7030A0"/>
-                </a:solidFill>
-                <a:latin typeface="Bell MT" pitchFamily="18" charset="0"/>
-              </a:rPr>
-              <a:t>AUTHORITY AND RESPONSIBILITY</a:t>
-            </a:r>
-          </a:p>
-          <a:p>
-            <a:pPr marL="342900" indent="-342900">
-              <a:buFont typeface="+mj-lt"/>
-              <a:buAutoNum type="arabicPeriod"/>
-            </a:pPr>
-            <a:endParaRPr lang="en-US" sz="2800" dirty="0" smtClean="0">
-              <a:solidFill>
-                <a:srgbClr val="7030A0"/>
-              </a:solidFill>
-              <a:latin typeface="Bell MT" pitchFamily="18" charset="0"/>
-            </a:endParaRPr>
-          </a:p>
-          <a:p>
-            <a:pPr marL="342900" indent="-342900">
-              <a:buFont typeface="+mj-lt"/>
-              <a:buAutoNum type="arabicPeriod"/>
-            </a:pPr>
-            <a:endParaRPr lang="en-US" sz="2800" dirty="0" smtClean="0">
-              <a:solidFill>
-                <a:srgbClr val="7030A0"/>
-              </a:solidFill>
-              <a:latin typeface="Bell MT" pitchFamily="18" charset="0"/>
-            </a:endParaRPr>
-          </a:p>
-          <a:p>
-            <a:pPr marL="342900" indent="-342900">
-              <a:buFont typeface="+mj-lt"/>
-              <a:buAutoNum type="arabicPeriod"/>
-            </a:pPr>
-            <a:endParaRPr lang="en-US" sz="2800" dirty="0">
-              <a:solidFill>
-                <a:srgbClr val="7030A0"/>
-              </a:solidFill>
-              <a:latin typeface="Bell MT" pitchFamily="18" charset="0"/>
-            </a:endParaRPr>
-          </a:p>
-          <a:p>
-            <a:pPr marL="342900" indent="-342900">
-              <a:buFont typeface="+mj-lt"/>
-              <a:buAutoNum type="arabicPeriod"/>
-            </a:pPr>
-            <a:endParaRPr lang="en-US" sz="2800" dirty="0" smtClean="0">
-              <a:solidFill>
-                <a:srgbClr val="7030A0"/>
-              </a:solidFill>
-              <a:latin typeface="Bell MT" pitchFamily="18" charset="0"/>
-            </a:endParaRPr>
-          </a:p>
-        </p:txBody>
-      </p:sp>
-      <p:pic>
-        <p:nvPicPr>
-          <p:cNvPr id="1026" name="Picture 2"/>
-          <p:cNvPicPr>
-            <a:picLocks noChangeAspect="1" noChangeArrowheads="1"/>
-          </p:cNvPicPr>
-          <p:nvPr/>
-        </p:nvPicPr>
-        <p:blipFill>
-          <a:blip r:embed="rId2">
-            <a:extLst>
-              <a:ext uri="{28A0092B-C50C-407E-A947-70E740481C1C}">
-                <a14:useLocalDpi xmlns:a14="http://schemas.microsoft.com/office/drawing/2010/main" val="0"/>
-              </a:ext>
-            </a:extLst>
-          </a:blip>
-          <a:srcRect/>
-          <a:stretch>
-            <a:fillRect/>
-          </a:stretch>
-        </p:blipFill>
-        <p:spPr bwMode="auto">
-          <a:xfrm>
-            <a:off x="539552" y="3789040"/>
-            <a:ext cx="2990850" cy="1235968"/>
-          </a:xfrm>
-          <a:prstGeom prst="rect">
-            <a:avLst/>
-          </a:prstGeom>
-          <a:ln w="38100" cap="sq">
-            <a:solidFill>
-              <a:srgbClr val="000000"/>
-            </a:solidFill>
-            <a:prstDash val="solid"/>
-            <a:miter lim="800000"/>
-          </a:ln>
-          <a:effectLst>
-            <a:outerShdw blurRad="50800" dist="38100" dir="2700000" algn="tl" rotWithShape="0">
-              <a:srgbClr val="000000">
-                <a:alpha val="43000"/>
-              </a:srgbClr>
-            </a:outerShdw>
-          </a:effectLst>
-          <a:extLst>
-            <a:ext uri="{909E8E84-426E-40DD-AFC4-6F175D3DCCD1}">
-              <a14:hiddenFill xmlns:a14="http://schemas.microsoft.com/office/drawing/2010/main">
-                <a:solidFill>
-                  <a:schemeClr val="accent1"/>
-                </a:solidFill>
-              </a14:hiddenFill>
-            </a:ext>
-            <a:ext uri="{91240B29-F687-4F45-9708-019B960494DF}">
-              <a14:hiddenLine xmlns:a14="http://schemas.microsoft.com/office/drawing/2010/main" w="9525">
-                <a:solidFill>
-                  <a:schemeClr val="tx1"/>
-                </a:solidFill>
-                <a:miter lim="800000"/>
-                <a:headEnd/>
-                <a:tailEnd/>
-              </a14:hiddenLine>
-            </a:ext>
-            <a:ext uri="{AF507438-7753-43E0-B8FC-AC1667EBCBE1}">
-              <a14:hiddenEffects xmlns:a14="http://schemas.microsoft.com/office/drawing/2010/main">
-                <a:effectLst>
-                  <a:outerShdw dist="35921" dir="2700000" algn="ctr" rotWithShape="0">
-                    <a:schemeClr val="bg2"/>
-                  </a:outerShdw>
-                </a:effectLst>
-              </a14:hiddenEffects>
-            </a:ext>
-          </a:extLst>
-        </p:spPr>
-      </p:pic>
-      <p:pic>
-        <p:nvPicPr>
-          <p:cNvPr id="1027" name="Picture 3"/>
-          <p:cNvPicPr>
-            <a:picLocks noChangeAspect="1" noChangeArrowheads="1"/>
-          </p:cNvPicPr>
-          <p:nvPr/>
-        </p:nvPicPr>
-        <p:blipFill>
-          <a:blip r:embed="rId3">
-            <a:extLst>
-              <a:ext uri="{28A0092B-C50C-407E-A947-70E740481C1C}">
-                <a14:useLocalDpi xmlns:a14="http://schemas.microsoft.com/office/drawing/2010/main" val="0"/>
-              </a:ext>
-            </a:extLst>
-          </a:blip>
-          <a:srcRect/>
-          <a:stretch>
-            <a:fillRect/>
-          </a:stretch>
-        </p:blipFill>
-        <p:spPr bwMode="auto">
-          <a:xfrm>
-            <a:off x="539552" y="1700808"/>
-            <a:ext cx="2857500" cy="1292105"/>
-          </a:xfrm>
-          <a:prstGeom prst="rect">
-            <a:avLst/>
-          </a:prstGeom>
-          <a:ln w="38100" cap="sq">
-            <a:solidFill>
-              <a:srgbClr val="000000"/>
-            </a:solidFill>
-            <a:prstDash val="solid"/>
-            <a:miter lim="800000"/>
-          </a:ln>
-          <a:effectLst>
-            <a:outerShdw blurRad="50800" dist="38100" dir="2700000" algn="tl" rotWithShape="0">
-              <a:srgbClr val="000000">
-                <a:alpha val="43000"/>
-              </a:srgbClr>
-            </a:outerShdw>
-          </a:effectLst>
-          <a:extLst>
-            <a:ext uri="{909E8E84-426E-40DD-AFC4-6F175D3DCCD1}">
-              <a14:hiddenFill xmlns:a14="http://schemas.microsoft.com/office/drawing/2010/main">
-                <a:solidFill>
-                  <a:schemeClr val="accent1"/>
-                </a:solidFill>
-              </a14:hiddenFill>
-            </a:ext>
-            <a:ext uri="{91240B29-F687-4F45-9708-019B960494DF}">
-              <a14:hiddenLine xmlns:a14="http://schemas.microsoft.com/office/drawing/2010/main" w="9525">
-                <a:solidFill>
-                  <a:schemeClr val="tx1"/>
-                </a:solidFill>
-                <a:miter lim="800000"/>
-                <a:headEnd/>
-                <a:tailEnd/>
-              </a14:hiddenLine>
-            </a:ext>
-            <a:ext uri="{AF507438-7753-43E0-B8FC-AC1667EBCBE1}">
-              <a14:hiddenEffects xmlns:a14="http://schemas.microsoft.com/office/drawing/2010/main">
-                <a:effectLst>
-                  <a:outerShdw dist="35921" dir="2700000" algn="ctr" rotWithShape="0">
-                    <a:schemeClr val="bg2"/>
-                  </a:outerShdw>
-                </a:effectLst>
-              </a14:hiddenEffects>
-            </a:ext>
-          </a:extLst>
-        </p:spPr>
-      </p:pic>
-    </p:spTree>
-    <p:extLst>
-      <p:ext uri="{BB962C8B-B14F-4D97-AF65-F5344CB8AC3E}">
-        <p14:creationId xmlns:p14="http://schemas.microsoft.com/office/powerpoint/2010/main" val="1800481790"/>
-      </p:ext>
-    </p:extLst>
-  </p:cSld>
-  <p:clrMapOvr>
-    <a:masterClrMapping/>
-  </p:clrMapOvr>
-  <p:timing>
-    <p:tnLst>
-      <p:par>
-        <p:cTn id="1" dur="indefinite" restart="never" nodeType="tmRoot">
-          <p:childTnLst>
-            <p:seq concurrent="1" nextAc="seek">
-              <p:cTn id="2" dur="indefinite" nodeType="mainSeq">
-                <p:childTnLst>
-                  <p:par>
-                    <p:cTn id="3" fill="hold">
-                      <p:stCondLst>
-                        <p:cond delay="indefinite"/>
-                      </p:stCondLst>
-                      <p:childTnLst>
-                        <p:par>
-                          <p:cTn id="4" fill="hold">
-                            <p:stCondLst>
-                              <p:cond delay="0"/>
-                            </p:stCondLst>
-                            <p:childTnLst>
-                              <p:par>
-                                <p:cTn id="5" presetID="14" presetClass="entr" presetSubtype="10" fill="hold" grpId="0" nodeType="clickEffect">
-                                  <p:stCondLst>
-                                    <p:cond delay="0"/>
-                                  </p:stCondLst>
-                                  <p:childTnLst>
-                                    <p:set>
-                                      <p:cBhvr>
-                                        <p:cTn id="6" dur="1" fill="hold">
-                                          <p:stCondLst>
-                                            <p:cond delay="0"/>
-                                          </p:stCondLst>
-                                        </p:cTn>
-                                        <p:tgtEl>
-                                          <p:spTgt spid="2"/>
-                                        </p:tgtEl>
-                                        <p:attrNameLst>
-                                          <p:attrName>style.visibility</p:attrName>
-                                        </p:attrNameLst>
-                                      </p:cBhvr>
-                                      <p:to>
-                                        <p:strVal val="visible"/>
-                                      </p:to>
-                                    </p:set>
-                                    <p:animEffect transition="in" filter="randombar(horizontal)">
-                                      <p:cBhvr>
-                                        <p:cTn id="7" dur="500"/>
-                                        <p:tgtEl>
-                                          <p:spTgt spid="2"/>
-                                        </p:tgtEl>
-                                      </p:cBhvr>
-                                    </p:animEffect>
-                                  </p:childTnLst>
-                                </p:cTn>
-                              </p:par>
-                            </p:childTnLst>
-                          </p:cTn>
-                        </p:par>
-                      </p:childTnLst>
-                    </p:cTn>
-                  </p:par>
-                  <p:par>
-                    <p:cTn id="8" fill="hold">
-                      <p:stCondLst>
-                        <p:cond delay="indefinite"/>
-                      </p:stCondLst>
-                      <p:childTnLst>
-                        <p:par>
-                          <p:cTn id="9" fill="hold">
-                            <p:stCondLst>
-                              <p:cond delay="0"/>
-                            </p:stCondLst>
-                            <p:childTnLst>
-                              <p:par>
-                                <p:cTn id="10" presetID="31" presetClass="entr" presetSubtype="0" fill="hold" grpId="0" nodeType="clickEffect">
-                                  <p:stCondLst>
-                                    <p:cond delay="0"/>
-                                  </p:stCondLst>
-                                  <p:childTnLst>
-                                    <p:set>
-                                      <p:cBhvr>
-                                        <p:cTn id="11" dur="1" fill="hold">
-                                          <p:stCondLst>
-                                            <p:cond delay="0"/>
-                                          </p:stCondLst>
-                                        </p:cTn>
-                                        <p:tgtEl>
-                                          <p:spTgt spid="3"/>
-                                        </p:tgtEl>
-                                        <p:attrNameLst>
-                                          <p:attrName>style.visibility</p:attrName>
-                                        </p:attrNameLst>
-                                      </p:cBhvr>
-                                      <p:to>
-                                        <p:strVal val="visible"/>
-                                      </p:to>
-                                    </p:set>
-                                    <p:anim calcmode="lin" valueType="num">
-                                      <p:cBhvr>
-                                        <p:cTn id="12" dur="1000" fill="hold"/>
-                                        <p:tgtEl>
-                                          <p:spTgt spid="3"/>
-                                        </p:tgtEl>
-                                        <p:attrNameLst>
-                                          <p:attrName>ppt_w</p:attrName>
-                                        </p:attrNameLst>
-                                      </p:cBhvr>
-                                      <p:tavLst>
-                                        <p:tav tm="0">
-                                          <p:val>
-                                            <p:fltVal val="0"/>
-                                          </p:val>
-                                        </p:tav>
-                                        <p:tav tm="100000">
-                                          <p:val>
-                                            <p:strVal val="#ppt_w"/>
-                                          </p:val>
-                                        </p:tav>
-                                      </p:tavLst>
-                                    </p:anim>
-                                    <p:anim calcmode="lin" valueType="num">
-                                      <p:cBhvr>
-                                        <p:cTn id="13" dur="1000" fill="hold"/>
-                                        <p:tgtEl>
-                                          <p:spTgt spid="3"/>
-                                        </p:tgtEl>
-                                        <p:attrNameLst>
-                                          <p:attrName>ppt_h</p:attrName>
-                                        </p:attrNameLst>
-                                      </p:cBhvr>
-                                      <p:tavLst>
-                                        <p:tav tm="0">
-                                          <p:val>
-                                            <p:fltVal val="0"/>
-                                          </p:val>
-                                        </p:tav>
-                                        <p:tav tm="100000">
-                                          <p:val>
-                                            <p:strVal val="#ppt_h"/>
-                                          </p:val>
-                                        </p:tav>
-                                      </p:tavLst>
-                                    </p:anim>
-                                    <p:anim calcmode="lin" valueType="num">
-                                      <p:cBhvr>
-                                        <p:cTn id="14" dur="1000" fill="hold"/>
-                                        <p:tgtEl>
-                                          <p:spTgt spid="3"/>
-                                        </p:tgtEl>
-                                        <p:attrNameLst>
-                                          <p:attrName>style.rotation</p:attrName>
-                                        </p:attrNameLst>
-                                      </p:cBhvr>
-                                      <p:tavLst>
-                                        <p:tav tm="0">
-                                          <p:val>
-                                            <p:fltVal val="90"/>
-                                          </p:val>
-                                        </p:tav>
-                                        <p:tav tm="100000">
-                                          <p:val>
-                                            <p:fltVal val="0"/>
-                                          </p:val>
-                                        </p:tav>
-                                      </p:tavLst>
-                                    </p:anim>
-                                    <p:animEffect transition="in" filter="fade">
-                                      <p:cBhvr>
-                                        <p:cTn id="15" dur="1000"/>
-                                        <p:tgtEl>
-                                          <p:spTgt spid="3"/>
-                                        </p:tgtEl>
-                                      </p:cBhvr>
-                                    </p:animEffect>
-                                  </p:childTnLst>
-                                </p:cTn>
-                              </p:par>
-                            </p:childTnLst>
-                          </p:cTn>
-                        </p:par>
-                      </p:childTnLst>
-                    </p:cTn>
-                  </p:par>
-                  <p:par>
-                    <p:cTn id="16" fill="hold">
-                      <p:stCondLst>
-                        <p:cond delay="indefinite"/>
-                      </p:stCondLst>
-                      <p:childTnLst>
-                        <p:par>
-                          <p:cTn id="17" fill="hold">
-                            <p:stCondLst>
-                              <p:cond delay="0"/>
-                            </p:stCondLst>
-                            <p:childTnLst>
-                              <p:par>
-                                <p:cTn id="18" presetID="2" presetClass="entr" presetSubtype="4" fill="hold" nodeType="clickEffect">
-                                  <p:stCondLst>
-                                    <p:cond delay="0"/>
-                                  </p:stCondLst>
-                                  <p:childTnLst>
-                                    <p:set>
-                                      <p:cBhvr>
-                                        <p:cTn id="19" dur="1" fill="hold">
-                                          <p:stCondLst>
-                                            <p:cond delay="0"/>
-                                          </p:stCondLst>
-                                        </p:cTn>
-                                        <p:tgtEl>
-                                          <p:spTgt spid="1027"/>
-                                        </p:tgtEl>
-                                        <p:attrNameLst>
-                                          <p:attrName>style.visibility</p:attrName>
-                                        </p:attrNameLst>
-                                      </p:cBhvr>
-                                      <p:to>
-                                        <p:strVal val="visible"/>
-                                      </p:to>
-                                    </p:set>
-                                    <p:anim calcmode="lin" valueType="num">
-                                      <p:cBhvr additive="base">
-                                        <p:cTn id="20" dur="500" fill="hold"/>
-                                        <p:tgtEl>
-                                          <p:spTgt spid="1027"/>
-                                        </p:tgtEl>
-                                        <p:attrNameLst>
-                                          <p:attrName>ppt_x</p:attrName>
-                                        </p:attrNameLst>
-                                      </p:cBhvr>
-                                      <p:tavLst>
-                                        <p:tav tm="0">
-                                          <p:val>
-                                            <p:strVal val="#ppt_x"/>
-                                          </p:val>
-                                        </p:tav>
-                                        <p:tav tm="100000">
-                                          <p:val>
-                                            <p:strVal val="#ppt_x"/>
-                                          </p:val>
-                                        </p:tav>
-                                      </p:tavLst>
-                                    </p:anim>
-                                    <p:anim calcmode="lin" valueType="num">
-                                      <p:cBhvr additive="base">
-                                        <p:cTn id="21" dur="500" fill="hold"/>
-                                        <p:tgtEl>
-                                          <p:spTgt spid="1027"/>
-                                        </p:tgtEl>
-                                        <p:attrNameLst>
-                                          <p:attrName>ppt_y</p:attrName>
-                                        </p:attrNameLst>
-                                      </p:cBhvr>
-                                      <p:tavLst>
-                                        <p:tav tm="0">
-                                          <p:val>
-                                            <p:strVal val="1+#ppt_h/2"/>
-                                          </p:val>
-                                        </p:tav>
-                                        <p:tav tm="100000">
-                                          <p:val>
-                                            <p:strVal val="#ppt_y"/>
-                                          </p:val>
-                                        </p:tav>
-                                      </p:tavLst>
-                                    </p:anim>
-                                  </p:childTnLst>
-                                </p:cTn>
-                              </p:par>
-                            </p:childTnLst>
-                          </p:cTn>
-                        </p:par>
-                      </p:childTnLst>
-                    </p:cTn>
-                  </p:par>
-                  <p:par>
-                    <p:cTn id="22" fill="hold">
-                      <p:stCondLst>
-                        <p:cond delay="indefinite"/>
-                      </p:stCondLst>
-                      <p:childTnLst>
-                        <p:par>
-                          <p:cTn id="23" fill="hold">
-                            <p:stCondLst>
-                              <p:cond delay="0"/>
-                            </p:stCondLst>
-                            <p:childTnLst>
-                              <p:par>
-                                <p:cTn id="24" presetID="2" presetClass="entr" presetSubtype="4" fill="hold" nodeType="clickEffect">
-                                  <p:stCondLst>
-                                    <p:cond delay="0"/>
-                                  </p:stCondLst>
-                                  <p:childTnLst>
-                                    <p:set>
-                                      <p:cBhvr>
-                                        <p:cTn id="25" dur="1" fill="hold">
-                                          <p:stCondLst>
-                                            <p:cond delay="0"/>
-                                          </p:stCondLst>
-                                        </p:cTn>
-                                        <p:tgtEl>
-                                          <p:spTgt spid="1026"/>
-                                        </p:tgtEl>
-                                        <p:attrNameLst>
-                                          <p:attrName>style.visibility</p:attrName>
-                                        </p:attrNameLst>
-                                      </p:cBhvr>
-                                      <p:to>
-                                        <p:strVal val="visible"/>
-                                      </p:to>
-                                    </p:set>
-                                    <p:anim calcmode="lin" valueType="num">
-                                      <p:cBhvr additive="base">
-                                        <p:cTn id="26" dur="500" fill="hold"/>
-                                        <p:tgtEl>
-                                          <p:spTgt spid="1026"/>
-                                        </p:tgtEl>
-                                        <p:attrNameLst>
-                                          <p:attrName>ppt_x</p:attrName>
-                                        </p:attrNameLst>
-                                      </p:cBhvr>
-                                      <p:tavLst>
-                                        <p:tav tm="0">
-                                          <p:val>
-                                            <p:strVal val="#ppt_x"/>
-                                          </p:val>
-                                        </p:tav>
-                                        <p:tav tm="100000">
-                                          <p:val>
-                                            <p:strVal val="#ppt_x"/>
-                                          </p:val>
-                                        </p:tav>
-                                      </p:tavLst>
-                                    </p:anim>
-                                    <p:anim calcmode="lin" valueType="num">
-                                      <p:cBhvr additive="base">
-                                        <p:cTn id="27" dur="500" fill="hold"/>
-                                        <p:tgtEl>
-                                          <p:spTgt spid="1026"/>
-                                        </p:tgtEl>
-                                        <p:attrNameLst>
-                                          <p:attrName>ppt_y</p:attrName>
-                                        </p:attrNameLst>
-                                      </p:cBhvr>
-                                      <p:tavLst>
-                                        <p:tav tm="0">
-                                          <p:val>
-                                            <p:strVal val="1+#ppt_h/2"/>
-                                          </p:val>
-                                        </p:tav>
-                                        <p:tav tm="100000">
-                                          <p:val>
-                                            <p:strVal val="#ppt_y"/>
-                                          </p:val>
-                                        </p:tav>
-                                      </p:tavLst>
-                                    </p:anim>
-                                  </p:childTnLst>
-                                </p:cTn>
-                              </p:par>
-                            </p:childTnLst>
-                          </p:cTn>
-                        </p:par>
-                      </p:childTnLst>
-                    </p:cTn>
-                  </p:par>
-                </p:childTnLst>
-              </p:cTn>
-              <p:prevCondLst>
-                <p:cond evt="onPrev" delay="0">
-                  <p:tgtEl>
-                    <p:sldTgt/>
-                  </p:tgtEl>
-                </p:cond>
-              </p:prevCondLst>
-              <p:nextCondLst>
-                <p:cond evt="onNext" delay="0">
-                  <p:tgtEl>
-                    <p:sldTgt/>
-                  </p:tgtEl>
-                </p:cond>
-              </p:nextCondLst>
-            </p:seq>
-          </p:childTnLst>
-        </p:cTn>
-      </p:par>
-    </p:tnLst>
-    <p:bldLst>
-      <p:bldP spid="2" grpId="0"/>
-      <p:bldP spid="3" grpId="0"/>
     </p:bldLst>
   </p:timing>
 </p:sld>
@@ -11164,25 +11239,6 @@
                 </a:solidFill>
               </a14:hiddenFill>
             </a:ext>
-            <a:ext uri="{91240B29-F687-4F45-9708-019B960494DF}">
-              <a14:hiddenLine xmlns:a14="http://schemas.microsoft.com/office/drawing/2010/main" w="9525">
-                <a:solidFill>
-                  <a:schemeClr val="tx1"/>
-                </a:solidFill>
-                <a:miter lim="800000"/>
-                <a:headEnd/>
-                <a:tailEnd/>
-              </a14:hiddenLine>
-            </a:ext>
-            <a:ext uri="{AF507438-7753-43E0-B8FC-AC1667EBCBE1}">
-              <a14:hiddenEffects xmlns:a14="http://schemas.microsoft.com/office/drawing/2010/main">
-                <a:effectLst>
-                  <a:outerShdw dist="35921" dir="2700000" algn="ctr" rotWithShape="0">
-                    <a:schemeClr val="bg2"/>
-                  </a:outerShdw>
-                </a:effectLst>
-              </a14:hiddenEffects>
-            </a:ext>
           </a:extLst>
         </p:spPr>
       </p:pic>
@@ -11367,25 +11423,6 @@
                 </a:solidFill>
               </a14:hiddenFill>
             </a:ext>
-            <a:ext uri="{91240B29-F687-4F45-9708-019B960494DF}">
-              <a14:hiddenLine xmlns:a14="http://schemas.microsoft.com/office/drawing/2010/main" w="9525">
-                <a:solidFill>
-                  <a:schemeClr val="tx1"/>
-                </a:solidFill>
-                <a:miter lim="800000"/>
-                <a:headEnd/>
-                <a:tailEnd/>
-              </a14:hiddenLine>
-            </a:ext>
-            <a:ext uri="{AF507438-7753-43E0-B8FC-AC1667EBCBE1}">
-              <a14:hiddenEffects xmlns:a14="http://schemas.microsoft.com/office/drawing/2010/main">
-                <a:effectLst>
-                  <a:outerShdw dist="35921" dir="2700000" algn="ctr" rotWithShape="0">
-                    <a:schemeClr val="bg2"/>
-                  </a:outerShdw>
-                </a:effectLst>
-              </a14:hiddenEffects>
-            </a:ext>
           </a:extLst>
         </p:spPr>
       </p:pic>
@@ -11399,6 +11436,9 @@
   <p:clrMapOvr>
     <a:masterClrMapping/>
   </p:clrMapOvr>
+  <p:transition spd="slow">
+    <p:push dir="u"/>
+  </p:transition>
   <p:timing>
     <p:tnLst>
       <p:par>
@@ -12029,25 +12069,6 @@
                 </a:solidFill>
               </a14:hiddenFill>
             </a:ext>
-            <a:ext uri="{91240B29-F687-4F45-9708-019B960494DF}">
-              <a14:hiddenLine xmlns:a14="http://schemas.microsoft.com/office/drawing/2010/main" w="9525">
-                <a:solidFill>
-                  <a:schemeClr val="tx1"/>
-                </a:solidFill>
-                <a:miter lim="800000"/>
-                <a:headEnd/>
-                <a:tailEnd/>
-              </a14:hiddenLine>
-            </a:ext>
-            <a:ext uri="{AF507438-7753-43E0-B8FC-AC1667EBCBE1}">
-              <a14:hiddenEffects xmlns:a14="http://schemas.microsoft.com/office/drawing/2010/main">
-                <a:effectLst>
-                  <a:outerShdw dist="35921" dir="2700000" algn="ctr" rotWithShape="0">
-                    <a:schemeClr val="bg2"/>
-                  </a:outerShdw>
-                </a:effectLst>
-              </a14:hiddenEffects>
-            </a:ext>
           </a:extLst>
         </p:spPr>
       </p:pic>
@@ -12156,25 +12177,6 @@
                 </a:solidFill>
               </a14:hiddenFill>
             </a:ext>
-            <a:ext uri="{91240B29-F687-4F45-9708-019B960494DF}">
-              <a14:hiddenLine xmlns:a14="http://schemas.microsoft.com/office/drawing/2010/main" w="9525">
-                <a:solidFill>
-                  <a:schemeClr val="tx1"/>
-                </a:solidFill>
-                <a:miter lim="800000"/>
-                <a:headEnd/>
-                <a:tailEnd/>
-              </a14:hiddenLine>
-            </a:ext>
-            <a:ext uri="{AF507438-7753-43E0-B8FC-AC1667EBCBE1}">
-              <a14:hiddenEffects xmlns:a14="http://schemas.microsoft.com/office/drawing/2010/main">
-                <a:effectLst>
-                  <a:outerShdw dist="35921" dir="2700000" algn="ctr" rotWithShape="0">
-                    <a:schemeClr val="bg2"/>
-                  </a:outerShdw>
-                </a:effectLst>
-              </a14:hiddenEffects>
-            </a:ext>
           </a:extLst>
         </p:spPr>
       </p:pic>
@@ -12188,6 +12190,9 @@
   <p:clrMapOvr>
     <a:masterClrMapping/>
   </p:clrMapOvr>
+  <p:transition spd="slow">
+    <p:randomBar dir="vert"/>
+  </p:transition>
   <p:timing>
     <p:tnLst>
       <p:par>
@@ -12641,25 +12646,6 @@
                 </a:solidFill>
               </a14:hiddenFill>
             </a:ext>
-            <a:ext uri="{91240B29-F687-4F45-9708-019B960494DF}">
-              <a14:hiddenLine xmlns:a14="http://schemas.microsoft.com/office/drawing/2010/main" w="9525">
-                <a:solidFill>
-                  <a:schemeClr val="tx1"/>
-                </a:solidFill>
-                <a:miter lim="800000"/>
-                <a:headEnd/>
-                <a:tailEnd/>
-              </a14:hiddenLine>
-            </a:ext>
-            <a:ext uri="{AF507438-7753-43E0-B8FC-AC1667EBCBE1}">
-              <a14:hiddenEffects xmlns:a14="http://schemas.microsoft.com/office/drawing/2010/main">
-                <a:effectLst>
-                  <a:outerShdw dist="35921" dir="2700000" algn="ctr" rotWithShape="0">
-                    <a:schemeClr val="bg2"/>
-                  </a:outerShdw>
-                </a:effectLst>
-              </a14:hiddenEffects>
-            </a:ext>
           </a:extLst>
         </p:spPr>
       </p:pic>
@@ -12764,15 +12750,6 @@
                 <a:tailEnd/>
               </a14:hiddenLine>
             </a:ext>
-            <a:ext uri="{AF507438-7753-43E0-B8FC-AC1667EBCBE1}">
-              <a14:hiddenEffects xmlns:a14="http://schemas.microsoft.com/office/drawing/2010/main">
-                <a:effectLst>
-                  <a:outerShdw dist="35921" dir="2700000" algn="ctr" rotWithShape="0">
-                    <a:schemeClr val="bg2"/>
-                  </a:outerShdw>
-                </a:effectLst>
-              </a14:hiddenEffects>
-            </a:ext>
           </a:extLst>
         </p:spPr>
       </p:pic>
@@ -12786,6 +12763,18 @@
   <p:clrMapOvr>
     <a:masterClrMapping/>
   </p:clrMapOvr>
+  <mc:AlternateContent xmlns:mc="http://schemas.openxmlformats.org/markup-compatibility/2006">
+    <mc:Choice xmlns:p14="http://schemas.microsoft.com/office/powerpoint/2010/main" Requires="p14">
+      <p:transition spd="slow" p14:dur="1600">
+        <p:blinds dir="vert"/>
+      </p:transition>
+    </mc:Choice>
+    <mc:Fallback>
+      <p:transition spd="slow">
+        <p:blinds dir="vert"/>
+      </p:transition>
+    </mc:Fallback>
+  </mc:AlternateContent>
   <p:timing>
     <p:tnLst>
       <p:par>
